--- a/monoHplots.pptx
+++ b/monoHplots.pptx
@@ -308,7 +308,8 @@
           <a:p>
             <a:fld id="{9009BA44-F557-3F46-AD8A-3E2020253590}" type="datetimeFigureOut">
               <a:rPr lang="en-US" smtClean="0"/>
-              <a:t>4/21/15</a:t>
+              <a:pPr/>
+              <a:t>4/22/15</a:t>
             </a:fld>
             <a:endParaRPr lang="en-US"/>
           </a:p>
@@ -350,6 +351,7 @@
           <a:p>
             <a:fld id="{C0428811-3D68-E441-9D2A-78A07152F790}" type="slidenum">
               <a:rPr lang="en-US" smtClean="0"/>
+              <a:pPr/>
               <a:t>‹#›</a:t>
             </a:fld>
             <a:endParaRPr lang="en-US"/>
@@ -473,7 +475,8 @@
           <a:p>
             <a:fld id="{9009BA44-F557-3F46-AD8A-3E2020253590}" type="datetimeFigureOut">
               <a:rPr lang="en-US" smtClean="0"/>
-              <a:t>4/21/15</a:t>
+              <a:pPr/>
+              <a:t>4/22/15</a:t>
             </a:fld>
             <a:endParaRPr lang="en-US"/>
           </a:p>
@@ -515,6 +518,7 @@
           <a:p>
             <a:fld id="{C0428811-3D68-E441-9D2A-78A07152F790}" type="slidenum">
               <a:rPr lang="en-US" smtClean="0"/>
+              <a:pPr/>
               <a:t>‹#›</a:t>
             </a:fld>
             <a:endParaRPr lang="en-US"/>
@@ -648,7 +652,8 @@
           <a:p>
             <a:fld id="{9009BA44-F557-3F46-AD8A-3E2020253590}" type="datetimeFigureOut">
               <a:rPr lang="en-US" smtClean="0"/>
-              <a:t>4/21/15</a:t>
+              <a:pPr/>
+              <a:t>4/22/15</a:t>
             </a:fld>
             <a:endParaRPr lang="en-US"/>
           </a:p>
@@ -690,6 +695,7 @@
           <a:p>
             <a:fld id="{C0428811-3D68-E441-9D2A-78A07152F790}" type="slidenum">
               <a:rPr lang="en-US" smtClean="0"/>
+              <a:pPr/>
               <a:t>‹#›</a:t>
             </a:fld>
             <a:endParaRPr lang="en-US"/>
@@ -813,7 +819,8 @@
           <a:p>
             <a:fld id="{9009BA44-F557-3F46-AD8A-3E2020253590}" type="datetimeFigureOut">
               <a:rPr lang="en-US" smtClean="0"/>
-              <a:t>4/21/15</a:t>
+              <a:pPr/>
+              <a:t>4/22/15</a:t>
             </a:fld>
             <a:endParaRPr lang="en-US"/>
           </a:p>
@@ -855,6 +862,7 @@
           <a:p>
             <a:fld id="{C0428811-3D68-E441-9D2A-78A07152F790}" type="slidenum">
               <a:rPr lang="en-US" smtClean="0"/>
+              <a:pPr/>
               <a:t>‹#›</a:t>
             </a:fld>
             <a:endParaRPr lang="en-US"/>
@@ -1054,7 +1062,8 @@
           <a:p>
             <a:fld id="{9009BA44-F557-3F46-AD8A-3E2020253590}" type="datetimeFigureOut">
               <a:rPr lang="en-US" smtClean="0"/>
-              <a:t>4/21/15</a:t>
+              <a:pPr/>
+              <a:t>4/22/15</a:t>
             </a:fld>
             <a:endParaRPr lang="en-US"/>
           </a:p>
@@ -1096,6 +1105,7 @@
           <a:p>
             <a:fld id="{C0428811-3D68-E441-9D2A-78A07152F790}" type="slidenum">
               <a:rPr lang="en-US" smtClean="0"/>
+              <a:pPr/>
               <a:t>‹#›</a:t>
             </a:fld>
             <a:endParaRPr lang="en-US"/>
@@ -1337,7 +1347,8 @@
           <a:p>
             <a:fld id="{9009BA44-F557-3F46-AD8A-3E2020253590}" type="datetimeFigureOut">
               <a:rPr lang="en-US" smtClean="0"/>
-              <a:t>4/21/15</a:t>
+              <a:pPr/>
+              <a:t>4/22/15</a:t>
             </a:fld>
             <a:endParaRPr lang="en-US"/>
           </a:p>
@@ -1379,6 +1390,7 @@
           <a:p>
             <a:fld id="{C0428811-3D68-E441-9D2A-78A07152F790}" type="slidenum">
               <a:rPr lang="en-US" smtClean="0"/>
+              <a:pPr/>
               <a:t>‹#›</a:t>
             </a:fld>
             <a:endParaRPr lang="en-US"/>
@@ -1754,7 +1766,8 @@
           <a:p>
             <a:fld id="{9009BA44-F557-3F46-AD8A-3E2020253590}" type="datetimeFigureOut">
               <a:rPr lang="en-US" smtClean="0"/>
-              <a:t>4/21/15</a:t>
+              <a:pPr/>
+              <a:t>4/22/15</a:t>
             </a:fld>
             <a:endParaRPr lang="en-US"/>
           </a:p>
@@ -1796,6 +1809,7 @@
           <a:p>
             <a:fld id="{C0428811-3D68-E441-9D2A-78A07152F790}" type="slidenum">
               <a:rPr lang="en-US" smtClean="0"/>
+              <a:pPr/>
               <a:t>‹#›</a:t>
             </a:fld>
             <a:endParaRPr lang="en-US"/>
@@ -1867,7 +1881,8 @@
           <a:p>
             <a:fld id="{9009BA44-F557-3F46-AD8A-3E2020253590}" type="datetimeFigureOut">
               <a:rPr lang="en-US" smtClean="0"/>
-              <a:t>4/21/15</a:t>
+              <a:pPr/>
+              <a:t>4/22/15</a:t>
             </a:fld>
             <a:endParaRPr lang="en-US"/>
           </a:p>
@@ -1909,6 +1924,7 @@
           <a:p>
             <a:fld id="{C0428811-3D68-E441-9D2A-78A07152F790}" type="slidenum">
               <a:rPr lang="en-US" smtClean="0"/>
+              <a:pPr/>
               <a:t>‹#›</a:t>
             </a:fld>
             <a:endParaRPr lang="en-US"/>
@@ -1957,7 +1973,8 @@
           <a:p>
             <a:fld id="{9009BA44-F557-3F46-AD8A-3E2020253590}" type="datetimeFigureOut">
               <a:rPr lang="en-US" smtClean="0"/>
-              <a:t>4/21/15</a:t>
+              <a:pPr/>
+              <a:t>4/22/15</a:t>
             </a:fld>
             <a:endParaRPr lang="en-US"/>
           </a:p>
@@ -1999,6 +2016,7 @@
           <a:p>
             <a:fld id="{C0428811-3D68-E441-9D2A-78A07152F790}" type="slidenum">
               <a:rPr lang="en-US" smtClean="0"/>
+              <a:pPr/>
               <a:t>‹#›</a:t>
             </a:fld>
             <a:endParaRPr lang="en-US"/>
@@ -2229,7 +2247,8 @@
           <a:p>
             <a:fld id="{9009BA44-F557-3F46-AD8A-3E2020253590}" type="datetimeFigureOut">
               <a:rPr lang="en-US" smtClean="0"/>
-              <a:t>4/21/15</a:t>
+              <a:pPr/>
+              <a:t>4/22/15</a:t>
             </a:fld>
             <a:endParaRPr lang="en-US"/>
           </a:p>
@@ -2271,6 +2290,7 @@
           <a:p>
             <a:fld id="{C0428811-3D68-E441-9D2A-78A07152F790}" type="slidenum">
               <a:rPr lang="en-US" smtClean="0"/>
+              <a:pPr/>
               <a:t>‹#›</a:t>
             </a:fld>
             <a:endParaRPr lang="en-US"/>
@@ -2477,7 +2497,8 @@
           <a:p>
             <a:fld id="{9009BA44-F557-3F46-AD8A-3E2020253590}" type="datetimeFigureOut">
               <a:rPr lang="en-US" smtClean="0"/>
-              <a:t>4/21/15</a:t>
+              <a:pPr/>
+              <a:t>4/22/15</a:t>
             </a:fld>
             <a:endParaRPr lang="en-US"/>
           </a:p>
@@ -2519,6 +2540,7 @@
           <a:p>
             <a:fld id="{C0428811-3D68-E441-9D2A-78A07152F790}" type="slidenum">
               <a:rPr lang="en-US" smtClean="0"/>
+              <a:pPr/>
               <a:t>‹#›</a:t>
             </a:fld>
             <a:endParaRPr lang="en-US"/>
@@ -2685,7 +2707,8 @@
           <a:p>
             <a:fld id="{9009BA44-F557-3F46-AD8A-3E2020253590}" type="datetimeFigureOut">
               <a:rPr lang="en-US" smtClean="0"/>
-              <a:t>4/21/15</a:t>
+              <a:pPr/>
+              <a:t>4/22/15</a:t>
             </a:fld>
             <a:endParaRPr lang="en-US"/>
           </a:p>
@@ -2763,6 +2786,7 @@
           <a:p>
             <a:fld id="{C0428811-3D68-E441-9D2A-78A07152F790}" type="slidenum">
               <a:rPr lang="en-US" smtClean="0"/>
+              <a:pPr/>
               <a:t>‹#›</a:t>
             </a:fld>
             <a:endParaRPr lang="en-US"/>
@@ -3384,11 +3408,7 @@
                     <a:p>
                       <a:r>
                         <a:rPr lang="en-US" sz="1000" dirty="0" smtClean="0"/>
-                        <a:t>&lt;= 1 </a:t>
-                      </a:r>
-                      <a:r>
-                        <a:rPr lang="en-US" sz="1000" dirty="0" smtClean="0"/>
-                        <a:t>antikt4 jet with:</a:t>
+                        <a:t>&lt;= 1 antikt4 jet with:</a:t>
                       </a:r>
                     </a:p>
                     <a:p>
@@ -3669,11 +3689,7 @@
                       </a:r>
                       <a:r>
                         <a:rPr lang="en-US" sz="1000" dirty="0" smtClean="0"/>
-                        <a:t> </a:t>
-                      </a:r>
-                      <a:r>
-                        <a:rPr lang="en-US" sz="1000" dirty="0" smtClean="0"/>
-                        <a:t>jets:</a:t>
+                        <a:t> jets:</a:t>
                       </a:r>
                     </a:p>
                     <a:p>
@@ -3683,15 +3699,7 @@
                       </a:r>
                       <a:r>
                         <a:rPr lang="en-US" sz="1000" baseline="0" dirty="0" smtClean="0"/>
-                        <a:t> </a:t>
-                      </a:r>
-                      <a:r>
-                        <a:rPr lang="en-US" sz="1000" baseline="0" dirty="0" smtClean="0"/>
-                        <a:t>&gt; </a:t>
-                      </a:r>
-                      <a:r>
-                        <a:rPr lang="en-US" sz="1000" baseline="0" dirty="0" smtClean="0"/>
-                        <a:t>20</a:t>
+                        <a:t> &gt; 20</a:t>
                       </a:r>
                     </a:p>
                     <a:p>
@@ -3701,15 +3709,7 @@
                       </a:r>
                       <a:r>
                         <a:rPr lang="en-US" sz="1000" baseline="0" dirty="0" smtClean="0"/>
-                        <a:t> </a:t>
-                      </a:r>
-                      <a:r>
-                        <a:rPr lang="en-US" sz="1000" baseline="0" dirty="0" smtClean="0"/>
-                        <a:t>&lt; </a:t>
-                      </a:r>
-                      <a:r>
-                        <a:rPr lang="en-US" sz="1000" baseline="0" dirty="0" smtClean="0"/>
-                        <a:t>2.5</a:t>
+                        <a:t> &lt; 2.5</a:t>
                       </a:r>
                     </a:p>
                     <a:p>
@@ -3723,11 +3723,7 @@
                       </a:r>
                       <a:r>
                         <a:rPr lang="en-US" sz="1000" baseline="0" dirty="0" smtClean="0"/>
-                        <a:t> &lt; </a:t>
-                      </a:r>
-                      <a:r>
-                        <a:rPr lang="en-US" sz="1000" baseline="0" dirty="0" smtClean="0"/>
-                        <a:t>1.0</a:t>
+                        <a:t> &lt; 1.0</a:t>
                       </a:r>
                       <a:endParaRPr lang="en-US" sz="1000" dirty="0"/>
                     </a:p>
@@ -3757,11 +3753,7 @@
                     <a:p>
                       <a:r>
                         <a:rPr lang="en-US" sz="1000" dirty="0" smtClean="0"/>
-                        <a:t>2</a:t>
-                      </a:r>
-                      <a:r>
-                        <a:rPr lang="en-US" sz="1000" dirty="0" smtClean="0"/>
-                        <a:t> </a:t>
+                        <a:t>2 </a:t>
                       </a:r>
                       <a:r>
                         <a:rPr lang="en-US" sz="1000" dirty="0" err="1" smtClean="0"/>
@@ -3787,11 +3779,7 @@
                       </a:r>
                       <a:r>
                         <a:rPr lang="en-US" sz="1000" baseline="0" dirty="0" smtClean="0"/>
-                        <a:t>-tag </a:t>
-                      </a:r>
-                      <a:r>
-                        <a:rPr lang="en-US" sz="1000" baseline="0" dirty="0" smtClean="0"/>
-                        <a:t>MV1 &gt; 0.971966</a:t>
+                        <a:t>-tag MV1 &gt; 0.971966</a:t>
                       </a:r>
                       <a:endParaRPr lang="en-US" sz="1000" dirty="0"/>
                     </a:p>
@@ -3817,9 +3805,55 @@
           </a:graphicData>
         </a:graphic>
       </p:graphicFrame>
+      <p:sp>
+        <p:nvSpPr>
+          <p:cNvPr id="4" name="TextBox 3"/>
+          <p:cNvSpPr txBox="1"/>
+          <p:nvPr/>
+        </p:nvSpPr>
+        <p:spPr>
+          <a:xfrm>
+            <a:off x="2209800" y="76200"/>
+            <a:ext cx="1873868" cy="369332"/>
+          </a:xfrm>
+          <a:prstGeom prst="rect">
+            <a:avLst/>
+          </a:prstGeom>
+          <a:noFill/>
+        </p:spPr>
+        <p:txBody>
+          <a:bodyPr wrap="none" rtlCol="0">
+            <a:spAutoFit/>
+          </a:bodyPr>
+          <a:lstStyle/>
+          <a:p>
+            <a:r>
+              <a:rPr lang="en-US" dirty="0" err="1" smtClean="0"/>
+              <a:t>antikt</a:t>
+            </a:r>
+            <a:r>
+              <a:rPr lang="en-US" dirty="0" smtClean="0"/>
+              <a:t> jet </a:t>
+            </a:r>
+            <a:r>
+              <a:rPr lang="en-US" dirty="0" err="1" smtClean="0"/>
+              <a:t>mult</a:t>
+            </a:r>
+            <a:r>
+              <a:rPr lang="en-US" dirty="0" smtClean="0"/>
+              <a:t> </a:t>
+            </a:r>
+            <a:r>
+              <a:rPr lang="en-US" dirty="0" smtClean="0"/>
+              <a:t>n-1</a:t>
+            </a:r>
+            <a:endParaRPr lang="en-US" dirty="0"/>
+          </a:p>
+        </p:txBody>
+      </p:sp>
       <p:pic>
         <p:nvPicPr>
-          <p:cNvPr id="6" name="Picture 5" descr="all_samples_antikt jet mult n-1.eps"/>
+          <p:cNvPr id="5" name="Picture 4" descr="all_samples_antikt jet mult n-1.eps"/>
           <p:cNvPicPr>
             <a:picLocks noChangeAspect="1"/>
           </p:cNvPicPr>
@@ -3845,14 +3879,85 @@
         </mc:AlternateContent>
         <p:spPr>
           <a:xfrm>
-            <a:off x="0" y="1295400"/>
-            <a:ext cx="5400675" cy="3943350"/>
+            <a:off x="609600" y="533400"/>
+            <a:ext cx="4320540" cy="3154680"/>
           </a:xfrm>
           <a:prstGeom prst="rect">
             <a:avLst/>
           </a:prstGeom>
         </p:spPr>
       </p:pic>
+      <p:pic>
+        <p:nvPicPr>
+          <p:cNvPr id="8" name="Picture 7" descr="all_samples_antikt jet mult n-1.eps"/>
+          <p:cNvPicPr>
+            <a:picLocks noChangeAspect="1"/>
+          </p:cNvPicPr>
+          <p:nvPr/>
+        </p:nvPicPr>
+        <mc:AlternateContent>
+          <mc:Choice xmlns:ma="http://schemas.microsoft.com/office/mac/drawingml/2008/main" Requires="ma">
+            <p:blipFill>
+              <a:blip r:embed="rId4"/>
+              <a:stretch>
+                <a:fillRect/>
+              </a:stretch>
+            </p:blipFill>
+          </mc:Choice>
+          <mc:Fallback>
+            <p:blipFill>
+              <a:blip r:embed="rId5"/>
+              <a:stretch>
+                <a:fillRect/>
+              </a:stretch>
+            </p:blipFill>
+          </mc:Fallback>
+        </mc:AlternateContent>
+        <p:spPr>
+          <a:xfrm>
+            <a:off x="609600" y="3398520"/>
+            <a:ext cx="4320540" cy="3154680"/>
+          </a:xfrm>
+          <a:prstGeom prst="rect">
+            <a:avLst/>
+          </a:prstGeom>
+        </p:spPr>
+      </p:pic>
+      <p:sp>
+        <p:nvSpPr>
+          <p:cNvPr id="9" name="TextBox 8"/>
+          <p:cNvSpPr txBox="1"/>
+          <p:nvPr/>
+        </p:nvSpPr>
+        <p:spPr>
+          <a:xfrm>
+            <a:off x="76200" y="4343400"/>
+            <a:ext cx="932628" cy="461665"/>
+          </a:xfrm>
+          <a:prstGeom prst="rect">
+            <a:avLst/>
+          </a:prstGeom>
+          <a:noFill/>
+          <a:ln>
+            <a:solidFill>
+              <a:srgbClr val="FF0000"/>
+            </a:solidFill>
+          </a:ln>
+        </p:spPr>
+        <p:txBody>
+          <a:bodyPr wrap="square" rtlCol="0">
+            <a:spAutoFit/>
+          </a:bodyPr>
+          <a:lstStyle/>
+          <a:p>
+            <a:r>
+              <a:rPr lang="en-US" sz="1200" dirty="0" smtClean="0"/>
+              <a:t>Single top removed</a:t>
+            </a:r>
+            <a:endParaRPr lang="en-US" sz="1200" dirty="0"/>
+          </a:p>
+        </p:txBody>
+      </p:sp>
     </p:spTree>
   </p:cSld>
   <p:clrMapOvr>
@@ -4140,11 +4245,7 @@
                     <a:p>
                       <a:r>
                         <a:rPr lang="en-US" sz="1000" dirty="0" smtClean="0"/>
-                        <a:t>&lt;= 1 </a:t>
-                      </a:r>
-                      <a:r>
-                        <a:rPr lang="en-US" sz="1000" dirty="0" smtClean="0"/>
-                        <a:t>antikt4 jet with:</a:t>
+                        <a:t>&lt;= 1 antikt4 jet with:</a:t>
                       </a:r>
                     </a:p>
                     <a:p>
@@ -4417,11 +4518,7 @@
                       </a:r>
                       <a:r>
                         <a:rPr lang="en-US" sz="1000" dirty="0" smtClean="0"/>
-                        <a:t> </a:t>
-                      </a:r>
-                      <a:r>
-                        <a:rPr lang="en-US" sz="1000" dirty="0" smtClean="0"/>
-                        <a:t>jets:</a:t>
+                        <a:t> jets:</a:t>
                       </a:r>
                     </a:p>
                     <a:p>
@@ -4431,15 +4528,7 @@
                       </a:r>
                       <a:r>
                         <a:rPr lang="en-US" sz="1000" baseline="0" dirty="0" smtClean="0"/>
-                        <a:t> </a:t>
-                      </a:r>
-                      <a:r>
-                        <a:rPr lang="en-US" sz="1000" baseline="0" dirty="0" smtClean="0"/>
-                        <a:t>&gt; </a:t>
-                      </a:r>
-                      <a:r>
-                        <a:rPr lang="en-US" sz="1000" baseline="0" dirty="0" smtClean="0"/>
-                        <a:t>20</a:t>
+                        <a:t> &gt; 20</a:t>
                       </a:r>
                     </a:p>
                     <a:p>
@@ -4449,15 +4538,7 @@
                       </a:r>
                       <a:r>
                         <a:rPr lang="en-US" sz="1000" baseline="0" dirty="0" smtClean="0"/>
-                        <a:t> </a:t>
-                      </a:r>
-                      <a:r>
-                        <a:rPr lang="en-US" sz="1000" baseline="0" dirty="0" smtClean="0"/>
-                        <a:t>&lt; </a:t>
-                      </a:r>
-                      <a:r>
-                        <a:rPr lang="en-US" sz="1000" baseline="0" dirty="0" smtClean="0"/>
-                        <a:t>2.5</a:t>
+                        <a:t> &lt; 2.5</a:t>
                       </a:r>
                     </a:p>
                     <a:p>
@@ -4471,11 +4552,7 @@
                       </a:r>
                       <a:r>
                         <a:rPr lang="en-US" sz="1000" baseline="0" dirty="0" smtClean="0"/>
-                        <a:t> &lt; </a:t>
-                      </a:r>
-                      <a:r>
-                        <a:rPr lang="en-US" sz="1000" baseline="0" dirty="0" smtClean="0"/>
-                        <a:t>1.0</a:t>
+                        <a:t> &lt; 1.0</a:t>
                       </a:r>
                       <a:endParaRPr lang="en-US" sz="1000" dirty="0"/>
                     </a:p>
@@ -4505,11 +4582,7 @@
                     <a:p>
                       <a:r>
                         <a:rPr lang="en-US" sz="1000" dirty="0" smtClean="0"/>
-                        <a:t>2</a:t>
-                      </a:r>
-                      <a:r>
-                        <a:rPr lang="en-US" sz="1000" dirty="0" smtClean="0"/>
-                        <a:t> </a:t>
+                        <a:t>2 </a:t>
                       </a:r>
                       <a:r>
                         <a:rPr lang="en-US" sz="1000" dirty="0" err="1" smtClean="0"/>
@@ -4535,11 +4608,7 @@
                       </a:r>
                       <a:r>
                         <a:rPr lang="en-US" sz="1000" baseline="0" dirty="0" smtClean="0"/>
-                        <a:t>-tag </a:t>
-                      </a:r>
-                      <a:r>
-                        <a:rPr lang="en-US" sz="1000" baseline="0" dirty="0" smtClean="0"/>
-                        <a:t>MV1 &gt; 0.971966</a:t>
+                        <a:t>-tag MV1 &gt; 0.971966</a:t>
                       </a:r>
                       <a:endParaRPr lang="en-US" sz="1000" dirty="0"/>
                     </a:p>
@@ -4565,9 +4634,47 @@
           </a:graphicData>
         </a:graphic>
       </p:graphicFrame>
+      <p:sp>
+        <p:nvSpPr>
+          <p:cNvPr id="4" name="TextBox 3"/>
+          <p:cNvSpPr txBox="1"/>
+          <p:nvPr/>
+        </p:nvSpPr>
+        <p:spPr>
+          <a:xfrm>
+            <a:off x="2209800" y="76200"/>
+            <a:ext cx="2563096" cy="369332"/>
+          </a:xfrm>
+          <a:prstGeom prst="rect">
+            <a:avLst/>
+          </a:prstGeom>
+          <a:noFill/>
+        </p:spPr>
+        <p:txBody>
+          <a:bodyPr wrap="none" rtlCol="0">
+            <a:spAutoFit/>
+          </a:bodyPr>
+          <a:lstStyle/>
+          <a:p>
+            <a:r>
+              <a:rPr lang="en-US" dirty="0" err="1" smtClean="0"/>
+              <a:t>dPhi(antikt</a:t>
+            </a:r>
+            <a:r>
+              <a:rPr lang="en-US" dirty="0" smtClean="0"/>
+              <a:t> jets, MET) </a:t>
+            </a:r>
+            <a:r>
+              <a:rPr lang="en-US" dirty="0" smtClean="0"/>
+              <a:t>n-1</a:t>
+            </a:r>
+            <a:endParaRPr lang="en-US" dirty="0"/>
+          </a:p>
+        </p:txBody>
+      </p:sp>
       <p:pic>
         <p:nvPicPr>
-          <p:cNvPr id="6" name="Picture 5" descr="all_samples_dPhi(antikt jets, MET) n-1.eps"/>
+          <p:cNvPr id="5" name="Picture 4" descr="all_samples_dPhi(antikt jets, MET) n-1.eps"/>
           <p:cNvPicPr>
             <a:picLocks noChangeAspect="1"/>
           </p:cNvPicPr>
@@ -4593,14 +4700,85 @@
         </mc:AlternateContent>
         <p:spPr>
           <a:xfrm>
-            <a:off x="0" y="1371600"/>
-            <a:ext cx="5400675" cy="3943350"/>
+            <a:off x="838200" y="609600"/>
+            <a:ext cx="4320540" cy="3154680"/>
           </a:xfrm>
           <a:prstGeom prst="rect">
             <a:avLst/>
           </a:prstGeom>
         </p:spPr>
       </p:pic>
+      <p:pic>
+        <p:nvPicPr>
+          <p:cNvPr id="8" name="Picture 7" descr="all_samples_dPhi(antikt jets, MET) n-1.eps"/>
+          <p:cNvPicPr>
+            <a:picLocks noChangeAspect="1"/>
+          </p:cNvPicPr>
+          <p:nvPr/>
+        </p:nvPicPr>
+        <mc:AlternateContent>
+          <mc:Choice xmlns:ma="http://schemas.microsoft.com/office/mac/drawingml/2008/main" Requires="ma">
+            <p:blipFill>
+              <a:blip r:embed="rId4"/>
+              <a:stretch>
+                <a:fillRect/>
+              </a:stretch>
+            </p:blipFill>
+          </mc:Choice>
+          <mc:Fallback>
+            <p:blipFill>
+              <a:blip r:embed="rId5"/>
+              <a:stretch>
+                <a:fillRect/>
+              </a:stretch>
+            </p:blipFill>
+          </mc:Fallback>
+        </mc:AlternateContent>
+        <p:spPr>
+          <a:xfrm>
+            <a:off x="838200" y="3495040"/>
+            <a:ext cx="4320540" cy="3154680"/>
+          </a:xfrm>
+          <a:prstGeom prst="rect">
+            <a:avLst/>
+          </a:prstGeom>
+        </p:spPr>
+      </p:pic>
+      <p:sp>
+        <p:nvSpPr>
+          <p:cNvPr id="9" name="TextBox 8"/>
+          <p:cNvSpPr txBox="1"/>
+          <p:nvPr/>
+        </p:nvSpPr>
+        <p:spPr>
+          <a:xfrm>
+            <a:off x="76200" y="4343400"/>
+            <a:ext cx="932628" cy="461665"/>
+          </a:xfrm>
+          <a:prstGeom prst="rect">
+            <a:avLst/>
+          </a:prstGeom>
+          <a:noFill/>
+          <a:ln>
+            <a:solidFill>
+              <a:srgbClr val="FF0000"/>
+            </a:solidFill>
+          </a:ln>
+        </p:spPr>
+        <p:txBody>
+          <a:bodyPr wrap="square" rtlCol="0">
+            <a:spAutoFit/>
+          </a:bodyPr>
+          <a:lstStyle/>
+          <a:p>
+            <a:r>
+              <a:rPr lang="en-US" sz="1200" dirty="0" smtClean="0"/>
+              <a:t>Single top removed</a:t>
+            </a:r>
+            <a:endParaRPr lang="en-US" sz="1200" dirty="0"/>
+          </a:p>
+        </p:txBody>
+      </p:sp>
     </p:spTree>
   </p:cSld>
   <p:clrMapOvr>
@@ -4888,11 +5066,7 @@
                     <a:p>
                       <a:r>
                         <a:rPr lang="en-US" sz="1000" dirty="0" smtClean="0"/>
-                        <a:t>&lt;= 1 </a:t>
-                      </a:r>
-                      <a:r>
-                        <a:rPr lang="en-US" sz="1000" dirty="0" smtClean="0"/>
-                        <a:t>antikt4 jet with:</a:t>
+                        <a:t>&lt;= 1 antikt4 jet with:</a:t>
                       </a:r>
                     </a:p>
                     <a:p>
@@ -5149,11 +5323,7 @@
                       </a:r>
                       <a:r>
                         <a:rPr lang="en-US" sz="1000" dirty="0" smtClean="0"/>
-                        <a:t> </a:t>
-                      </a:r>
-                      <a:r>
-                        <a:rPr lang="en-US" sz="1000" dirty="0" smtClean="0"/>
-                        <a:t>jets:</a:t>
+                        <a:t> jets:</a:t>
                       </a:r>
                     </a:p>
                     <a:p>
@@ -5163,15 +5333,7 @@
                       </a:r>
                       <a:r>
                         <a:rPr lang="en-US" sz="1000" baseline="0" dirty="0" smtClean="0"/>
-                        <a:t> </a:t>
-                      </a:r>
-                      <a:r>
-                        <a:rPr lang="en-US" sz="1000" baseline="0" dirty="0" smtClean="0"/>
-                        <a:t>&gt; </a:t>
-                      </a:r>
-                      <a:r>
-                        <a:rPr lang="en-US" sz="1000" baseline="0" dirty="0" smtClean="0"/>
-                        <a:t>20</a:t>
+                        <a:t> &gt; 20</a:t>
                       </a:r>
                     </a:p>
                     <a:p>
@@ -5181,15 +5343,7 @@
                       </a:r>
                       <a:r>
                         <a:rPr lang="en-US" sz="1000" baseline="0" dirty="0" smtClean="0"/>
-                        <a:t> </a:t>
-                      </a:r>
-                      <a:r>
-                        <a:rPr lang="en-US" sz="1000" baseline="0" dirty="0" smtClean="0"/>
-                        <a:t>&lt; </a:t>
-                      </a:r>
-                      <a:r>
-                        <a:rPr lang="en-US" sz="1000" baseline="0" dirty="0" smtClean="0"/>
-                        <a:t>2.5</a:t>
+                        <a:t> &lt; 2.5</a:t>
                       </a:r>
                     </a:p>
                     <a:p>
@@ -5203,11 +5357,7 @@
                       </a:r>
                       <a:r>
                         <a:rPr lang="en-US" sz="1000" baseline="0" dirty="0" smtClean="0"/>
-                        <a:t> &lt; </a:t>
-                      </a:r>
-                      <a:r>
-                        <a:rPr lang="en-US" sz="1000" baseline="0" dirty="0" smtClean="0"/>
-                        <a:t>1.0</a:t>
+                        <a:t> &lt; 1.0</a:t>
                       </a:r>
                       <a:endParaRPr lang="en-US" sz="1000" dirty="0"/>
                     </a:p>
@@ -5237,11 +5387,7 @@
                     <a:p>
                       <a:r>
                         <a:rPr lang="en-US" sz="1000" dirty="0" smtClean="0"/>
-                        <a:t>2</a:t>
-                      </a:r>
-                      <a:r>
-                        <a:rPr lang="en-US" sz="1000" dirty="0" smtClean="0"/>
-                        <a:t> </a:t>
+                        <a:t>2 </a:t>
                       </a:r>
                       <a:r>
                         <a:rPr lang="en-US" sz="1000" dirty="0" err="1" smtClean="0"/>
@@ -5267,11 +5413,7 @@
                       </a:r>
                       <a:r>
                         <a:rPr lang="en-US" sz="1000" baseline="0" dirty="0" smtClean="0"/>
-                        <a:t>-tag </a:t>
-                      </a:r>
-                      <a:r>
-                        <a:rPr lang="en-US" sz="1000" baseline="0" dirty="0" smtClean="0"/>
-                        <a:t>MV1 &gt; 0.971966</a:t>
+                        <a:t>-tag MV1 &gt; 0.971966</a:t>
                       </a:r>
                       <a:endParaRPr lang="en-US" sz="1000" dirty="0"/>
                     </a:p>
@@ -5297,9 +5439,43 @@
           </a:graphicData>
         </a:graphic>
       </p:graphicFrame>
+      <p:sp>
+        <p:nvSpPr>
+          <p:cNvPr id="4" name="TextBox 3"/>
+          <p:cNvSpPr txBox="1"/>
+          <p:nvPr/>
+        </p:nvSpPr>
+        <p:spPr>
+          <a:xfrm>
+            <a:off x="2209800" y="76200"/>
+            <a:ext cx="968346" cy="369332"/>
+          </a:xfrm>
+          <a:prstGeom prst="rect">
+            <a:avLst/>
+          </a:prstGeom>
+          <a:noFill/>
+        </p:spPr>
+        <p:txBody>
+          <a:bodyPr wrap="none" rtlCol="0">
+            <a:spAutoFit/>
+          </a:bodyPr>
+          <a:lstStyle/>
+          <a:p>
+            <a:r>
+              <a:rPr lang="en-US" dirty="0" smtClean="0"/>
+              <a:t>MET </a:t>
+            </a:r>
+            <a:r>
+              <a:rPr lang="en-US" dirty="0" smtClean="0"/>
+              <a:t>n-1</a:t>
+            </a:r>
+            <a:endParaRPr lang="en-US" dirty="0"/>
+          </a:p>
+        </p:txBody>
+      </p:sp>
       <p:pic>
         <p:nvPicPr>
-          <p:cNvPr id="6" name="Picture 5" descr="all_samples_MET n-1.eps"/>
+          <p:cNvPr id="12" name="Picture 11" descr="all_samples_MET n-1.eps"/>
           <p:cNvPicPr>
             <a:picLocks noChangeAspect="1"/>
           </p:cNvPicPr>
@@ -5325,14 +5501,85 @@
         </mc:AlternateContent>
         <p:spPr>
           <a:xfrm>
-            <a:off x="152400" y="1828800"/>
-            <a:ext cx="5400675" cy="3943350"/>
+            <a:off x="381000" y="445532"/>
+            <a:ext cx="4320540" cy="3154680"/>
           </a:xfrm>
           <a:prstGeom prst="rect">
             <a:avLst/>
           </a:prstGeom>
         </p:spPr>
       </p:pic>
+      <p:pic>
+        <p:nvPicPr>
+          <p:cNvPr id="13" name="Picture 12" descr="all_samples_MET n-1.eps"/>
+          <p:cNvPicPr>
+            <a:picLocks noChangeAspect="1"/>
+          </p:cNvPicPr>
+          <p:nvPr/>
+        </p:nvPicPr>
+        <mc:AlternateContent>
+          <mc:Choice xmlns:ma="http://schemas.microsoft.com/office/mac/drawingml/2008/main" Requires="ma">
+            <p:blipFill>
+              <a:blip r:embed="rId4"/>
+              <a:stretch>
+                <a:fillRect/>
+              </a:stretch>
+            </p:blipFill>
+          </mc:Choice>
+          <mc:Fallback>
+            <p:blipFill>
+              <a:blip r:embed="rId5"/>
+              <a:stretch>
+                <a:fillRect/>
+              </a:stretch>
+            </p:blipFill>
+          </mc:Fallback>
+        </mc:AlternateContent>
+        <p:spPr>
+          <a:xfrm>
+            <a:off x="381000" y="3550920"/>
+            <a:ext cx="4320540" cy="3154680"/>
+          </a:xfrm>
+          <a:prstGeom prst="rect">
+            <a:avLst/>
+          </a:prstGeom>
+        </p:spPr>
+      </p:pic>
+      <p:sp>
+        <p:nvSpPr>
+          <p:cNvPr id="14" name="TextBox 13"/>
+          <p:cNvSpPr txBox="1"/>
+          <p:nvPr/>
+        </p:nvSpPr>
+        <p:spPr>
+          <a:xfrm>
+            <a:off x="76200" y="4343400"/>
+            <a:ext cx="932628" cy="461665"/>
+          </a:xfrm>
+          <a:prstGeom prst="rect">
+            <a:avLst/>
+          </a:prstGeom>
+          <a:noFill/>
+          <a:ln>
+            <a:solidFill>
+              <a:srgbClr val="FF0000"/>
+            </a:solidFill>
+          </a:ln>
+        </p:spPr>
+        <p:txBody>
+          <a:bodyPr wrap="square" rtlCol="0">
+            <a:spAutoFit/>
+          </a:bodyPr>
+          <a:lstStyle/>
+          <a:p>
+            <a:r>
+              <a:rPr lang="en-US" sz="1200" dirty="0" smtClean="0"/>
+              <a:t>Single top removed</a:t>
+            </a:r>
+            <a:endParaRPr lang="en-US" sz="1200" dirty="0"/>
+          </a:p>
+        </p:txBody>
+      </p:sp>
     </p:spTree>
   </p:cSld>
   <p:clrMapOvr>
@@ -5620,11 +5867,7 @@
                     <a:p>
                       <a:r>
                         <a:rPr lang="en-US" sz="1000" dirty="0" smtClean="0"/>
-                        <a:t>&lt;= 1 </a:t>
-                      </a:r>
-                      <a:r>
-                        <a:rPr lang="en-US" sz="1000" dirty="0" smtClean="0"/>
-                        <a:t>antikt4 jet with:</a:t>
+                        <a:t>&lt;= 1 antikt4 jet with:</a:t>
                       </a:r>
                     </a:p>
                     <a:p>
@@ -5881,11 +6124,7 @@
                       </a:r>
                       <a:r>
                         <a:rPr lang="en-US" sz="1000" dirty="0" smtClean="0"/>
-                        <a:t> </a:t>
-                      </a:r>
-                      <a:r>
-                        <a:rPr lang="en-US" sz="1000" dirty="0" smtClean="0"/>
-                        <a:t>jets:</a:t>
+                        <a:t> jets:</a:t>
                       </a:r>
                     </a:p>
                     <a:p>
@@ -5895,15 +6134,7 @@
                       </a:r>
                       <a:r>
                         <a:rPr lang="en-US" sz="1000" baseline="0" dirty="0" smtClean="0"/>
-                        <a:t> </a:t>
-                      </a:r>
-                      <a:r>
-                        <a:rPr lang="en-US" sz="1000" baseline="0" dirty="0" smtClean="0"/>
-                        <a:t>&gt; </a:t>
-                      </a:r>
-                      <a:r>
-                        <a:rPr lang="en-US" sz="1000" baseline="0" dirty="0" smtClean="0"/>
-                        <a:t>20</a:t>
+                        <a:t> &gt; 20</a:t>
                       </a:r>
                     </a:p>
                     <a:p>
@@ -5913,15 +6144,7 @@
                       </a:r>
                       <a:r>
                         <a:rPr lang="en-US" sz="1000" baseline="0" dirty="0" smtClean="0"/>
-                        <a:t> </a:t>
-                      </a:r>
-                      <a:r>
-                        <a:rPr lang="en-US" sz="1000" baseline="0" dirty="0" smtClean="0"/>
-                        <a:t>&lt; </a:t>
-                      </a:r>
-                      <a:r>
-                        <a:rPr lang="en-US" sz="1000" baseline="0" dirty="0" smtClean="0"/>
-                        <a:t>2.5</a:t>
+                        <a:t> &lt; 2.5</a:t>
                       </a:r>
                     </a:p>
                     <a:p>
@@ -5935,11 +6158,7 @@
                       </a:r>
                       <a:r>
                         <a:rPr lang="en-US" sz="1000" baseline="0" dirty="0" smtClean="0"/>
-                        <a:t> &lt; </a:t>
-                      </a:r>
-                      <a:r>
-                        <a:rPr lang="en-US" sz="1000" baseline="0" dirty="0" smtClean="0"/>
-                        <a:t>1.0</a:t>
+                        <a:t> &lt; 1.0</a:t>
                       </a:r>
                       <a:endParaRPr lang="en-US" sz="1000" dirty="0"/>
                     </a:p>
@@ -5969,11 +6188,7 @@
                     <a:p>
                       <a:r>
                         <a:rPr lang="en-US" sz="1000" dirty="0" smtClean="0"/>
-                        <a:t>2</a:t>
-                      </a:r>
-                      <a:r>
-                        <a:rPr lang="en-US" sz="1000" dirty="0" smtClean="0"/>
-                        <a:t> </a:t>
+                        <a:t>2 </a:t>
                       </a:r>
                       <a:r>
                         <a:rPr lang="en-US" sz="1000" dirty="0" err="1" smtClean="0"/>
@@ -5999,11 +6214,7 @@
                       </a:r>
                       <a:r>
                         <a:rPr lang="en-US" sz="1000" baseline="0" dirty="0" smtClean="0"/>
-                        <a:t>-tag </a:t>
-                      </a:r>
-                      <a:r>
-                        <a:rPr lang="en-US" sz="1000" baseline="0" dirty="0" smtClean="0"/>
-                        <a:t>MV1 &gt; 0.971966</a:t>
+                        <a:t>-tag MV1 &gt; 0.971966</a:t>
                       </a:r>
                       <a:endParaRPr lang="en-US" sz="1000" dirty="0"/>
                     </a:p>
@@ -6029,9 +6240,51 @@
           </a:graphicData>
         </a:graphic>
       </p:graphicFrame>
+      <p:sp>
+        <p:nvSpPr>
+          <p:cNvPr id="4" name="TextBox 3"/>
+          <p:cNvSpPr txBox="1"/>
+          <p:nvPr/>
+        </p:nvSpPr>
+        <p:spPr>
+          <a:xfrm>
+            <a:off x="2209800" y="76200"/>
+            <a:ext cx="2111012" cy="369332"/>
+          </a:xfrm>
+          <a:prstGeom prst="rect">
+            <a:avLst/>
+          </a:prstGeom>
+          <a:noFill/>
+        </p:spPr>
+        <p:txBody>
+          <a:bodyPr wrap="none" rtlCol="0">
+            <a:spAutoFit/>
+          </a:bodyPr>
+          <a:lstStyle/>
+          <a:p>
+            <a:r>
+              <a:rPr lang="en-US" dirty="0" err="1" smtClean="0"/>
+              <a:t>m</a:t>
+            </a:r>
+            <a:r>
+              <a:rPr lang="en-US" dirty="0" err="1" smtClean="0"/>
+              <a:t>ass(lead</a:t>
+            </a:r>
+            <a:r>
+              <a:rPr lang="en-US" dirty="0" smtClean="0"/>
+              <a:t> fat jet)</a:t>
+            </a:r>
+            <a:r>
+              <a:rPr lang="en-US" dirty="0" smtClean="0"/>
+              <a:t>n-1</a:t>
+            </a:r>
+            <a:endParaRPr lang="en-US" dirty="0"/>
+          </a:p>
+        </p:txBody>
+      </p:sp>
       <p:pic>
         <p:nvPicPr>
-          <p:cNvPr id="6" name="Picture 5" descr="all_samples_mass(lead fat jet) n-1.eps"/>
+          <p:cNvPr id="5" name="Picture 4" descr="all_samples_mass(lead fat jet) n-1.eps"/>
           <p:cNvPicPr>
             <a:picLocks noChangeAspect="1"/>
           </p:cNvPicPr>
@@ -6057,14 +6310,85 @@
         </mc:AlternateContent>
         <p:spPr>
           <a:xfrm>
-            <a:off x="0" y="1676400"/>
-            <a:ext cx="5400675" cy="3943350"/>
+            <a:off x="533400" y="445532"/>
+            <a:ext cx="4320540" cy="3154680"/>
           </a:xfrm>
           <a:prstGeom prst="rect">
             <a:avLst/>
           </a:prstGeom>
         </p:spPr>
       </p:pic>
+      <p:pic>
+        <p:nvPicPr>
+          <p:cNvPr id="8" name="Picture 7" descr="all_samples_mass(lead fat jet) n-1.eps"/>
+          <p:cNvPicPr>
+            <a:picLocks noChangeAspect="1"/>
+          </p:cNvPicPr>
+          <p:nvPr/>
+        </p:nvPicPr>
+        <mc:AlternateContent>
+          <mc:Choice xmlns:ma="http://schemas.microsoft.com/office/mac/drawingml/2008/main" Requires="ma">
+            <p:blipFill>
+              <a:blip r:embed="rId4"/>
+              <a:stretch>
+                <a:fillRect/>
+              </a:stretch>
+            </p:blipFill>
+          </mc:Choice>
+          <mc:Fallback>
+            <p:blipFill>
+              <a:blip r:embed="rId5"/>
+              <a:stretch>
+                <a:fillRect/>
+              </a:stretch>
+            </p:blipFill>
+          </mc:Fallback>
+        </mc:AlternateContent>
+        <p:spPr>
+          <a:xfrm>
+            <a:off x="533400" y="3495040"/>
+            <a:ext cx="4320540" cy="3154680"/>
+          </a:xfrm>
+          <a:prstGeom prst="rect">
+            <a:avLst/>
+          </a:prstGeom>
+        </p:spPr>
+      </p:pic>
+      <p:sp>
+        <p:nvSpPr>
+          <p:cNvPr id="9" name="TextBox 8"/>
+          <p:cNvSpPr txBox="1"/>
+          <p:nvPr/>
+        </p:nvSpPr>
+        <p:spPr>
+          <a:xfrm>
+            <a:off x="76200" y="4343400"/>
+            <a:ext cx="932628" cy="461665"/>
+          </a:xfrm>
+          <a:prstGeom prst="rect">
+            <a:avLst/>
+          </a:prstGeom>
+          <a:noFill/>
+          <a:ln>
+            <a:solidFill>
+              <a:srgbClr val="FF0000"/>
+            </a:solidFill>
+          </a:ln>
+        </p:spPr>
+        <p:txBody>
+          <a:bodyPr wrap="square" rtlCol="0">
+            <a:spAutoFit/>
+          </a:bodyPr>
+          <a:lstStyle/>
+          <a:p>
+            <a:r>
+              <a:rPr lang="en-US" sz="1200" dirty="0" smtClean="0"/>
+              <a:t>Single top removed</a:t>
+            </a:r>
+            <a:endParaRPr lang="en-US" sz="1200" dirty="0"/>
+          </a:p>
+        </p:txBody>
+      </p:sp>
     </p:spTree>
   </p:cSld>
   <p:clrMapOvr>
@@ -6352,11 +6676,7 @@
                     <a:p>
                       <a:r>
                         <a:rPr lang="en-US" sz="1000" dirty="0" smtClean="0"/>
-                        <a:t>&lt;= 1 </a:t>
-                      </a:r>
-                      <a:r>
-                        <a:rPr lang="en-US" sz="1000" dirty="0" smtClean="0"/>
-                        <a:t>antikt4 jet with:</a:t>
+                        <a:t>&lt;= 1 antikt4 jet with:</a:t>
                       </a:r>
                     </a:p>
                     <a:p>
@@ -6631,15 +6951,7 @@
                       </a:r>
                       <a:r>
                         <a:rPr lang="en-US" sz="1000" baseline="0" dirty="0" smtClean="0"/>
-                        <a:t> </a:t>
-                      </a:r>
-                      <a:r>
-                        <a:rPr lang="en-US" sz="1000" baseline="0" dirty="0" smtClean="0"/>
-                        <a:t>&gt; </a:t>
-                      </a:r>
-                      <a:r>
-                        <a:rPr lang="en-US" sz="1000" baseline="0" dirty="0" smtClean="0"/>
-                        <a:t>20</a:t>
+                        <a:t> &gt; 20</a:t>
                       </a:r>
                     </a:p>
                     <a:p>
@@ -6649,15 +6961,7 @@
                       </a:r>
                       <a:r>
                         <a:rPr lang="en-US" sz="1000" baseline="0" dirty="0" smtClean="0"/>
-                        <a:t> </a:t>
-                      </a:r>
-                      <a:r>
-                        <a:rPr lang="en-US" sz="1000" baseline="0" dirty="0" smtClean="0"/>
-                        <a:t>&lt; </a:t>
-                      </a:r>
-                      <a:r>
-                        <a:rPr lang="en-US" sz="1000" baseline="0" dirty="0" smtClean="0"/>
-                        <a:t>2.5</a:t>
+                        <a:t> &lt; 2.5</a:t>
                       </a:r>
                     </a:p>
                     <a:p>
@@ -6671,41 +6975,33 @@
                       </a:r>
                       <a:r>
                         <a:rPr lang="en-US" sz="1000" baseline="0" dirty="0" smtClean="0"/>
-                        <a:t> &lt; </a:t>
-                      </a:r>
-                      <a:r>
-                        <a:rPr lang="en-US" sz="1000" baseline="0" dirty="0" smtClean="0"/>
-                        <a:t>1.0</a:t>
-                      </a:r>
-                      <a:endParaRPr lang="en-US" sz="1000" dirty="0"/>
-                    </a:p>
-                  </a:txBody>
-                  <a:tcPr/>
-                </a:tc>
-                <a:tc>
-                  <a:txBody>
-                    <a:bodyPr/>
-                    <a:lstStyle/>
-                    <a:p>
-                      <a:endParaRPr lang="en-US" sz="1000" dirty="0"/>
-                    </a:p>
-                  </a:txBody>
-                  <a:tcPr/>
-                </a:tc>
-              </a:tr>
-              <a:tr h="370840">
-                <a:tc>
-                  <a:txBody>
-                    <a:bodyPr/>
-                    <a:lstStyle/>
-                    <a:p>
-                      <a:r>
-                        <a:rPr lang="en-US" sz="1000" dirty="0" smtClean="0"/>
-                        <a:t>2</a:t>
-                      </a:r>
-                      <a:r>
-                        <a:rPr lang="en-US" sz="1000" dirty="0" smtClean="0"/>
-                        <a:t> </a:t>
+                        <a:t> &lt; 1.0</a:t>
+                      </a:r>
+                      <a:endParaRPr lang="en-US" sz="1000" dirty="0"/>
+                    </a:p>
+                  </a:txBody>
+                  <a:tcPr/>
+                </a:tc>
+                <a:tc>
+                  <a:txBody>
+                    <a:bodyPr/>
+                    <a:lstStyle/>
+                    <a:p>
+                      <a:endParaRPr lang="en-US" sz="1000" dirty="0"/>
+                    </a:p>
+                  </a:txBody>
+                  <a:tcPr/>
+                </a:tc>
+              </a:tr>
+              <a:tr h="370840">
+                <a:tc>
+                  <a:txBody>
+                    <a:bodyPr/>
+                    <a:lstStyle/>
+                    <a:p>
+                      <a:r>
+                        <a:rPr lang="en-US" sz="1000" dirty="0" smtClean="0"/>
+                        <a:t>2 </a:t>
                       </a:r>
                       <a:r>
                         <a:rPr lang="en-US" sz="1000" dirty="0" err="1" smtClean="0"/>
@@ -6731,11 +7027,7 @@
                       </a:r>
                       <a:r>
                         <a:rPr lang="en-US" sz="1000" baseline="0" dirty="0" smtClean="0"/>
-                        <a:t>-tag </a:t>
-                      </a:r>
-                      <a:r>
-                        <a:rPr lang="en-US" sz="1000" baseline="0" dirty="0" smtClean="0"/>
-                        <a:t>MV1 &gt; 0.971966</a:t>
+                        <a:t>-tag MV1 &gt; 0.971966</a:t>
                       </a:r>
                       <a:endParaRPr lang="en-US" sz="1000" dirty="0"/>
                     </a:p>
@@ -6779,9 +7071,63 @@
           </a:graphicData>
         </a:graphic>
       </p:graphicFrame>
+      <p:sp>
+        <p:nvSpPr>
+          <p:cNvPr id="4" name="TextBox 3"/>
+          <p:cNvSpPr txBox="1"/>
+          <p:nvPr/>
+        </p:nvSpPr>
+        <p:spPr>
+          <a:xfrm>
+            <a:off x="2209800" y="76200"/>
+            <a:ext cx="2241081" cy="369332"/>
+          </a:xfrm>
+          <a:prstGeom prst="rect">
+            <a:avLst/>
+          </a:prstGeom>
+          <a:noFill/>
+        </p:spPr>
+        <p:txBody>
+          <a:bodyPr wrap="none" rtlCol="0">
+            <a:spAutoFit/>
+          </a:bodyPr>
+          <a:lstStyle/>
+          <a:p>
+            <a:r>
+              <a:rPr lang="en-US" dirty="0" err="1" smtClean="0"/>
+              <a:t>b</a:t>
+            </a:r>
+            <a:r>
+              <a:rPr lang="en-US" dirty="0" smtClean="0"/>
+              <a:t>-tag </a:t>
+            </a:r>
+            <a:r>
+              <a:rPr lang="en-US" dirty="0" err="1" smtClean="0"/>
+              <a:t>subjets</a:t>
+            </a:r>
+            <a:r>
+              <a:rPr lang="en-US" dirty="0" smtClean="0"/>
+              <a:t> </a:t>
+            </a:r>
+            <a:r>
+              <a:rPr lang="en-US" dirty="0" err="1" smtClean="0"/>
+              <a:t>mult</a:t>
+            </a:r>
+            <a:r>
+              <a:rPr lang="en-US" dirty="0" smtClean="0"/>
+              <a:t> </a:t>
+            </a:r>
+            <a:r>
+              <a:rPr lang="en-US" dirty="0" smtClean="0"/>
+              <a:t>n-1</a:t>
+            </a:r>
+            <a:endParaRPr lang="en-US" dirty="0"/>
+          </a:p>
+        </p:txBody>
+      </p:sp>
       <p:pic>
         <p:nvPicPr>
-          <p:cNvPr id="6" name="Picture 5" descr="all_samples_b-tag subjets mult n-1.eps"/>
+          <p:cNvPr id="5" name="Picture 4" descr="all_samples_b-tag subjets mult n-1.eps"/>
           <p:cNvPicPr>
             <a:picLocks noChangeAspect="1"/>
           </p:cNvPicPr>
@@ -6807,14 +7153,85 @@
         </mc:AlternateContent>
         <p:spPr>
           <a:xfrm>
-            <a:off x="76200" y="1828800"/>
-            <a:ext cx="5400675" cy="3943350"/>
+            <a:off x="685800" y="445532"/>
+            <a:ext cx="4320540" cy="3154680"/>
           </a:xfrm>
           <a:prstGeom prst="rect">
             <a:avLst/>
           </a:prstGeom>
         </p:spPr>
       </p:pic>
+      <p:pic>
+        <p:nvPicPr>
+          <p:cNvPr id="8" name="Picture 7" descr="all_samples_b-tag subjets mult n-1.eps"/>
+          <p:cNvPicPr>
+            <a:picLocks noChangeAspect="1"/>
+          </p:cNvPicPr>
+          <p:nvPr/>
+        </p:nvPicPr>
+        <mc:AlternateContent>
+          <mc:Choice xmlns:ma="http://schemas.microsoft.com/office/mac/drawingml/2008/main" Requires="ma">
+            <p:blipFill>
+              <a:blip r:embed="rId4"/>
+              <a:stretch>
+                <a:fillRect/>
+              </a:stretch>
+            </p:blipFill>
+          </mc:Choice>
+          <mc:Fallback>
+            <p:blipFill>
+              <a:blip r:embed="rId5"/>
+              <a:stretch>
+                <a:fillRect/>
+              </a:stretch>
+            </p:blipFill>
+          </mc:Fallback>
+        </mc:AlternateContent>
+        <p:spPr>
+          <a:xfrm>
+            <a:off x="708660" y="3474720"/>
+            <a:ext cx="4320540" cy="3154680"/>
+          </a:xfrm>
+          <a:prstGeom prst="rect">
+            <a:avLst/>
+          </a:prstGeom>
+        </p:spPr>
+      </p:pic>
+      <p:sp>
+        <p:nvSpPr>
+          <p:cNvPr id="9" name="TextBox 8"/>
+          <p:cNvSpPr txBox="1"/>
+          <p:nvPr/>
+        </p:nvSpPr>
+        <p:spPr>
+          <a:xfrm>
+            <a:off x="76200" y="4343400"/>
+            <a:ext cx="932628" cy="461665"/>
+          </a:xfrm>
+          <a:prstGeom prst="rect">
+            <a:avLst/>
+          </a:prstGeom>
+          <a:noFill/>
+          <a:ln>
+            <a:solidFill>
+              <a:srgbClr val="FF0000"/>
+            </a:solidFill>
+          </a:ln>
+        </p:spPr>
+        <p:txBody>
+          <a:bodyPr wrap="square" rtlCol="0">
+            <a:spAutoFit/>
+          </a:bodyPr>
+          <a:lstStyle/>
+          <a:p>
+            <a:r>
+              <a:rPr lang="en-US" sz="1200" dirty="0" smtClean="0"/>
+              <a:t>Single top removed</a:t>
+            </a:r>
+            <a:endParaRPr lang="en-US" sz="1200" dirty="0"/>
+          </a:p>
+        </p:txBody>
+      </p:sp>
     </p:spTree>
   </p:cSld>
   <p:clrMapOvr>
@@ -7102,11 +7519,7 @@
                     <a:p>
                       <a:r>
                         <a:rPr lang="en-US" sz="1000" dirty="0" smtClean="0"/>
-                        <a:t>&lt;= 1 </a:t>
-                      </a:r>
-                      <a:r>
-                        <a:rPr lang="en-US" sz="1000" dirty="0" smtClean="0"/>
-                        <a:t>antikt4 jet with:</a:t>
+                        <a:t>&lt;= 1 antikt4 jet with:</a:t>
                       </a:r>
                     </a:p>
                     <a:p>
@@ -7381,15 +7794,7 @@
                       </a:r>
                       <a:r>
                         <a:rPr lang="en-US" sz="1000" baseline="0" dirty="0" smtClean="0"/>
-                        <a:t> </a:t>
-                      </a:r>
-                      <a:r>
-                        <a:rPr lang="en-US" sz="1000" baseline="0" dirty="0" smtClean="0"/>
-                        <a:t>&gt; </a:t>
-                      </a:r>
-                      <a:r>
-                        <a:rPr lang="en-US" sz="1000" baseline="0" dirty="0" smtClean="0"/>
-                        <a:t>20</a:t>
+                        <a:t> &gt; 20</a:t>
                       </a:r>
                     </a:p>
                     <a:p>
@@ -7399,15 +7804,7 @@
                       </a:r>
                       <a:r>
                         <a:rPr lang="en-US" sz="1000" baseline="0" dirty="0" smtClean="0"/>
-                        <a:t> </a:t>
-                      </a:r>
-                      <a:r>
-                        <a:rPr lang="en-US" sz="1000" baseline="0" dirty="0" smtClean="0"/>
-                        <a:t>&lt; </a:t>
-                      </a:r>
-                      <a:r>
-                        <a:rPr lang="en-US" sz="1000" baseline="0" dirty="0" smtClean="0"/>
-                        <a:t>2.5</a:t>
+                        <a:t> &lt; 2.5</a:t>
                       </a:r>
                     </a:p>
                     <a:p>
@@ -7421,11 +7818,7 @@
                       </a:r>
                       <a:r>
                         <a:rPr lang="en-US" sz="1000" baseline="0" dirty="0" smtClean="0"/>
-                        <a:t> &lt; </a:t>
-                      </a:r>
-                      <a:r>
-                        <a:rPr lang="en-US" sz="1000" baseline="0" dirty="0" smtClean="0"/>
-                        <a:t>1.0</a:t>
+                        <a:t> &lt; 1.0</a:t>
                       </a:r>
                       <a:endParaRPr lang="en-US" sz="1000" dirty="0"/>
                     </a:p>
@@ -7455,11 +7848,7 @@
                     <a:p>
                       <a:r>
                         <a:rPr lang="en-US" sz="1000" dirty="0" smtClean="0"/>
-                        <a:t>2</a:t>
-                      </a:r>
-                      <a:r>
-                        <a:rPr lang="en-US" sz="1000" dirty="0" smtClean="0"/>
-                        <a:t> </a:t>
+                        <a:t>2 </a:t>
                       </a:r>
                       <a:r>
                         <a:rPr lang="en-US" sz="1000" dirty="0" err="1" smtClean="0"/>
@@ -7485,11 +7874,7 @@
                       </a:r>
                       <a:r>
                         <a:rPr lang="en-US" sz="1000" baseline="0" dirty="0" smtClean="0"/>
-                        <a:t>-tag </a:t>
-                      </a:r>
-                      <a:r>
-                        <a:rPr lang="en-US" sz="1000" baseline="0" dirty="0" smtClean="0"/>
-                        <a:t>MV1 &gt; 0.971966</a:t>
+                        <a:t>-tag MV1 &gt; 0.971966</a:t>
                       </a:r>
                       <a:endParaRPr lang="en-US" sz="1000" dirty="0"/>
                     </a:p>
@@ -7511,9 +7896,47 @@
           </a:graphicData>
         </a:graphic>
       </p:graphicFrame>
+      <p:sp>
+        <p:nvSpPr>
+          <p:cNvPr id="4" name="TextBox 3"/>
+          <p:cNvSpPr txBox="1"/>
+          <p:nvPr/>
+        </p:nvSpPr>
+        <p:spPr>
+          <a:xfrm>
+            <a:off x="2209800" y="76200"/>
+            <a:ext cx="2299014" cy="369332"/>
+          </a:xfrm>
+          <a:prstGeom prst="rect">
+            <a:avLst/>
+          </a:prstGeom>
+          <a:noFill/>
+        </p:spPr>
+        <p:txBody>
+          <a:bodyPr wrap="none" rtlCol="0">
+            <a:spAutoFit/>
+          </a:bodyPr>
+          <a:lstStyle/>
+          <a:p>
+            <a:r>
+              <a:rPr lang="en-US" dirty="0" smtClean="0"/>
+              <a:t>m</a:t>
+            </a:r>
+            <a:r>
+              <a:rPr lang="en-US" dirty="0" smtClean="0"/>
+              <a:t>in(MV1(subjets)) </a:t>
+            </a:r>
+            <a:r>
+              <a:rPr lang="en-US" dirty="0" smtClean="0"/>
+              <a:t>n-1</a:t>
+            </a:r>
+            <a:endParaRPr lang="en-US" dirty="0"/>
+          </a:p>
+        </p:txBody>
+      </p:sp>
       <p:pic>
         <p:nvPicPr>
-          <p:cNvPr id="6" name="Picture 5" descr="all_samples_min(MV1(subjets)) n-1.eps"/>
+          <p:cNvPr id="5" name="Picture 4" descr="all_samples_min(MV1(subjets)) n-1.eps"/>
           <p:cNvPicPr>
             <a:picLocks noChangeAspect="1"/>
           </p:cNvPicPr>
@@ -7539,14 +7962,85 @@
         </mc:AlternateContent>
         <p:spPr>
           <a:xfrm>
-            <a:off x="304800" y="1600200"/>
-            <a:ext cx="5400675" cy="3943350"/>
+            <a:off x="838200" y="445532"/>
+            <a:ext cx="4320540" cy="3154680"/>
           </a:xfrm>
           <a:prstGeom prst="rect">
             <a:avLst/>
           </a:prstGeom>
         </p:spPr>
       </p:pic>
+      <p:pic>
+        <p:nvPicPr>
+          <p:cNvPr id="8" name="Picture 7" descr="all_samples_min(MV1(subjets)) n-1.eps"/>
+          <p:cNvPicPr>
+            <a:picLocks noChangeAspect="1"/>
+          </p:cNvPicPr>
+          <p:nvPr/>
+        </p:nvPicPr>
+        <mc:AlternateContent>
+          <mc:Choice xmlns:ma="http://schemas.microsoft.com/office/mac/drawingml/2008/main" Requires="ma">
+            <p:blipFill>
+              <a:blip r:embed="rId4"/>
+              <a:stretch>
+                <a:fillRect/>
+              </a:stretch>
+            </p:blipFill>
+          </mc:Choice>
+          <mc:Fallback>
+            <p:blipFill>
+              <a:blip r:embed="rId5"/>
+              <a:stretch>
+                <a:fillRect/>
+              </a:stretch>
+            </p:blipFill>
+          </mc:Fallback>
+        </mc:AlternateContent>
+        <p:spPr>
+          <a:xfrm>
+            <a:off x="838200" y="3495040"/>
+            <a:ext cx="4320540" cy="3154680"/>
+          </a:xfrm>
+          <a:prstGeom prst="rect">
+            <a:avLst/>
+          </a:prstGeom>
+        </p:spPr>
+      </p:pic>
+      <p:sp>
+        <p:nvSpPr>
+          <p:cNvPr id="9" name="TextBox 8"/>
+          <p:cNvSpPr txBox="1"/>
+          <p:nvPr/>
+        </p:nvSpPr>
+        <p:spPr>
+          <a:xfrm>
+            <a:off x="76200" y="4343400"/>
+            <a:ext cx="932628" cy="461665"/>
+          </a:xfrm>
+          <a:prstGeom prst="rect">
+            <a:avLst/>
+          </a:prstGeom>
+          <a:noFill/>
+          <a:ln>
+            <a:solidFill>
+              <a:srgbClr val="FF0000"/>
+            </a:solidFill>
+          </a:ln>
+        </p:spPr>
+        <p:txBody>
+          <a:bodyPr wrap="square" rtlCol="0">
+            <a:spAutoFit/>
+          </a:bodyPr>
+          <a:lstStyle/>
+          <a:p>
+            <a:r>
+              <a:rPr lang="en-US" sz="1200" dirty="0" smtClean="0"/>
+              <a:t>Single top removed</a:t>
+            </a:r>
+            <a:endParaRPr lang="en-US" sz="1200" dirty="0"/>
+          </a:p>
+        </p:txBody>
+      </p:sp>
     </p:spTree>
   </p:cSld>
   <p:clrMapOvr>
@@ -7834,11 +8328,7 @@
                     <a:p>
                       <a:r>
                         <a:rPr lang="en-US" sz="1000" dirty="0" smtClean="0"/>
-                        <a:t>&lt;= 1 </a:t>
-                      </a:r>
-                      <a:r>
-                        <a:rPr lang="en-US" sz="1000" dirty="0" smtClean="0"/>
-                        <a:t>antikt4 jet with:</a:t>
+                        <a:t>&lt;= 1 antikt4 jet with:</a:t>
                       </a:r>
                     </a:p>
                     <a:p>
@@ -8113,15 +8603,7 @@
                       </a:r>
                       <a:r>
                         <a:rPr lang="en-US" sz="1000" baseline="0" dirty="0" smtClean="0"/>
-                        <a:t> </a:t>
-                      </a:r>
-                      <a:r>
-                        <a:rPr lang="en-US" sz="1000" baseline="0" dirty="0" smtClean="0"/>
-                        <a:t>&gt; </a:t>
-                      </a:r>
-                      <a:r>
-                        <a:rPr lang="en-US" sz="1000" baseline="0" dirty="0" smtClean="0"/>
-                        <a:t>20</a:t>
+                        <a:t> &gt; 20</a:t>
                       </a:r>
                     </a:p>
                     <a:p>
@@ -8131,15 +8613,7 @@
                       </a:r>
                       <a:r>
                         <a:rPr lang="en-US" sz="1000" baseline="0" dirty="0" smtClean="0"/>
-                        <a:t> </a:t>
-                      </a:r>
-                      <a:r>
-                        <a:rPr lang="en-US" sz="1000" baseline="0" dirty="0" smtClean="0"/>
-                        <a:t>&lt; </a:t>
-                      </a:r>
-                      <a:r>
-                        <a:rPr lang="en-US" sz="1000" baseline="0" dirty="0" smtClean="0"/>
-                        <a:t>2.5</a:t>
+                        <a:t> &lt; 2.5</a:t>
                       </a:r>
                     </a:p>
                     <a:p>
@@ -8153,11 +8627,7 @@
                       </a:r>
                       <a:r>
                         <a:rPr lang="en-US" sz="1000" baseline="0" dirty="0" smtClean="0"/>
-                        <a:t> &lt; </a:t>
-                      </a:r>
-                      <a:r>
-                        <a:rPr lang="en-US" sz="1000" baseline="0" dirty="0" smtClean="0"/>
-                        <a:t>1.0</a:t>
+                        <a:t> &lt; 1.0</a:t>
                       </a:r>
                       <a:endParaRPr lang="en-US" sz="1000" dirty="0"/>
                     </a:p>
@@ -8203,11 +8673,7 @@
                     <a:p>
                       <a:r>
                         <a:rPr lang="en-US" sz="1000" dirty="0" smtClean="0"/>
-                        <a:t>2</a:t>
-                      </a:r>
-                      <a:r>
-                        <a:rPr lang="en-US" sz="1000" dirty="0" smtClean="0"/>
-                        <a:t> </a:t>
+                        <a:t>2 </a:t>
                       </a:r>
                       <a:r>
                         <a:rPr lang="en-US" sz="1000" dirty="0" err="1" smtClean="0"/>
@@ -8233,11 +8699,7 @@
                       </a:r>
                       <a:r>
                         <a:rPr lang="en-US" sz="1000" baseline="0" dirty="0" smtClean="0"/>
-                        <a:t>-tag </a:t>
-                      </a:r>
-                      <a:r>
-                        <a:rPr lang="en-US" sz="1000" baseline="0" dirty="0" smtClean="0"/>
-                        <a:t>MV1 &gt; 0.971966</a:t>
+                        <a:t>-tag MV1 &gt; 0.971966</a:t>
                       </a:r>
                       <a:endParaRPr lang="en-US" sz="1000" dirty="0"/>
                     </a:p>
@@ -8267,9 +8729,55 @@
           </a:graphicData>
         </a:graphic>
       </p:graphicFrame>
+      <p:sp>
+        <p:nvSpPr>
+          <p:cNvPr id="4" name="TextBox 3"/>
+          <p:cNvSpPr txBox="1"/>
+          <p:nvPr/>
+        </p:nvSpPr>
+        <p:spPr>
+          <a:xfrm>
+            <a:off x="2209800" y="76200"/>
+            <a:ext cx="2634443" cy="369332"/>
+          </a:xfrm>
+          <a:prstGeom prst="rect">
+            <a:avLst/>
+          </a:prstGeom>
+          <a:noFill/>
+        </p:spPr>
+        <p:txBody>
+          <a:bodyPr wrap="none" rtlCol="0">
+            <a:spAutoFit/>
+          </a:bodyPr>
+          <a:lstStyle/>
+          <a:p>
+            <a:r>
+              <a:rPr lang="en-US" dirty="0" smtClean="0"/>
+              <a:t>t</a:t>
+            </a:r>
+            <a:r>
+              <a:rPr lang="en-US" dirty="0" smtClean="0"/>
+              <a:t>otal </a:t>
+            </a:r>
+            <a:r>
+              <a:rPr lang="en-US" dirty="0" err="1" smtClean="0"/>
+              <a:t>b</a:t>
+            </a:r>
+            <a:r>
+              <a:rPr lang="en-US" dirty="0" smtClean="0"/>
+              <a:t>-tag multiplicity </a:t>
+            </a:r>
+            <a:r>
+              <a:rPr lang="en-US" dirty="0" smtClean="0"/>
+              <a:t>n-1</a:t>
+            </a:r>
+            <a:endParaRPr lang="en-US" dirty="0"/>
+          </a:p>
+        </p:txBody>
+      </p:sp>
       <p:pic>
         <p:nvPicPr>
-          <p:cNvPr id="6" name="Picture 5" descr="all_samples_total b-tag multiplicity n-1.eps"/>
+          <p:cNvPr id="5" name="Picture 4" descr="all_samples_total b-tag multiplicity n-1.eps"/>
           <p:cNvPicPr>
             <a:picLocks noChangeAspect="1"/>
           </p:cNvPicPr>
@@ -8295,14 +8803,85 @@
         </mc:AlternateContent>
         <p:spPr>
           <a:xfrm>
-            <a:off x="228600" y="1752600"/>
-            <a:ext cx="5400675" cy="3943350"/>
+            <a:off x="838200" y="445532"/>
+            <a:ext cx="4320540" cy="3154680"/>
           </a:xfrm>
           <a:prstGeom prst="rect">
             <a:avLst/>
           </a:prstGeom>
         </p:spPr>
       </p:pic>
+      <p:pic>
+        <p:nvPicPr>
+          <p:cNvPr id="8" name="Picture 7" descr="all_samples_total b-tag multiplicity n-1.eps"/>
+          <p:cNvPicPr>
+            <a:picLocks noChangeAspect="1"/>
+          </p:cNvPicPr>
+          <p:nvPr/>
+        </p:nvPicPr>
+        <mc:AlternateContent>
+          <mc:Choice xmlns:ma="http://schemas.microsoft.com/office/mac/drawingml/2008/main" Requires="ma">
+            <p:blipFill>
+              <a:blip r:embed="rId4"/>
+              <a:stretch>
+                <a:fillRect/>
+              </a:stretch>
+            </p:blipFill>
+          </mc:Choice>
+          <mc:Fallback>
+            <p:blipFill>
+              <a:blip r:embed="rId5"/>
+              <a:stretch>
+                <a:fillRect/>
+              </a:stretch>
+            </p:blipFill>
+          </mc:Fallback>
+        </mc:AlternateContent>
+        <p:spPr>
+          <a:xfrm>
+            <a:off x="838200" y="3495040"/>
+            <a:ext cx="4320540" cy="3154680"/>
+          </a:xfrm>
+          <a:prstGeom prst="rect">
+            <a:avLst/>
+          </a:prstGeom>
+        </p:spPr>
+      </p:pic>
+      <p:sp>
+        <p:nvSpPr>
+          <p:cNvPr id="9" name="TextBox 8"/>
+          <p:cNvSpPr txBox="1"/>
+          <p:nvPr/>
+        </p:nvSpPr>
+        <p:spPr>
+          <a:xfrm>
+            <a:off x="76200" y="4343400"/>
+            <a:ext cx="932628" cy="461665"/>
+          </a:xfrm>
+          <a:prstGeom prst="rect">
+            <a:avLst/>
+          </a:prstGeom>
+          <a:noFill/>
+          <a:ln>
+            <a:solidFill>
+              <a:srgbClr val="FF0000"/>
+            </a:solidFill>
+          </a:ln>
+        </p:spPr>
+        <p:txBody>
+          <a:bodyPr wrap="square" rtlCol="0">
+            <a:spAutoFit/>
+          </a:bodyPr>
+          <a:lstStyle/>
+          <a:p>
+            <a:r>
+              <a:rPr lang="en-US" sz="1200" dirty="0" smtClean="0"/>
+              <a:t>Single top removed</a:t>
+            </a:r>
+            <a:endParaRPr lang="en-US" sz="1200" dirty="0"/>
+          </a:p>
+        </p:txBody>
+      </p:sp>
     </p:spTree>
   </p:cSld>
   <p:clrMapOvr>
@@ -8590,11 +9169,7 @@
                     <a:p>
                       <a:r>
                         <a:rPr lang="en-US" sz="1000" dirty="0" smtClean="0"/>
-                        <a:t>&lt;= 1 </a:t>
-                      </a:r>
-                      <a:r>
-                        <a:rPr lang="en-US" sz="1000" dirty="0" smtClean="0"/>
-                        <a:t>antikt4 jet with:</a:t>
+                        <a:t>&lt;= 1 antikt4 jet with:</a:t>
                       </a:r>
                     </a:p>
                     <a:p>
@@ -8869,15 +9444,7 @@
                       </a:r>
                       <a:r>
                         <a:rPr lang="en-US" sz="1000" baseline="0" dirty="0" smtClean="0"/>
-                        <a:t> </a:t>
-                      </a:r>
-                      <a:r>
-                        <a:rPr lang="en-US" sz="1000" baseline="0" dirty="0" smtClean="0"/>
-                        <a:t>&gt; </a:t>
-                      </a:r>
-                      <a:r>
-                        <a:rPr lang="en-US" sz="1000" baseline="0" dirty="0" smtClean="0"/>
-                        <a:t>20</a:t>
+                        <a:t> &gt; 20</a:t>
                       </a:r>
                     </a:p>
                     <a:p>
@@ -8887,15 +9454,7 @@
                       </a:r>
                       <a:r>
                         <a:rPr lang="en-US" sz="1000" baseline="0" dirty="0" smtClean="0"/>
-                        <a:t> </a:t>
-                      </a:r>
-                      <a:r>
-                        <a:rPr lang="en-US" sz="1000" baseline="0" dirty="0" smtClean="0"/>
-                        <a:t>&lt; </a:t>
-                      </a:r>
-                      <a:r>
-                        <a:rPr lang="en-US" sz="1000" baseline="0" dirty="0" smtClean="0"/>
-                        <a:t>2.5</a:t>
+                        <a:t> &lt; 2.5</a:t>
                       </a:r>
                     </a:p>
                     <a:p>
@@ -8909,11 +9468,7 @@
                       </a:r>
                       <a:r>
                         <a:rPr lang="en-US" sz="1000" baseline="0" dirty="0" smtClean="0"/>
-                        <a:t> &lt; </a:t>
-                      </a:r>
-                      <a:r>
-                        <a:rPr lang="en-US" sz="1000" baseline="0" dirty="0" smtClean="0"/>
-                        <a:t>1.0</a:t>
+                        <a:t> &lt; 1.0</a:t>
                       </a:r>
                       <a:endParaRPr lang="en-US" sz="1000" dirty="0"/>
                     </a:p>
@@ -8955,11 +9510,7 @@
                     <a:p>
                       <a:r>
                         <a:rPr lang="en-US" sz="1000" dirty="0" smtClean="0"/>
-                        <a:t>2</a:t>
-                      </a:r>
-                      <a:r>
-                        <a:rPr lang="en-US" sz="1000" dirty="0" smtClean="0"/>
-                        <a:t> </a:t>
+                        <a:t>2 </a:t>
                       </a:r>
                       <a:r>
                         <a:rPr lang="en-US" sz="1000" dirty="0" err="1" smtClean="0"/>
@@ -8985,11 +9536,7 @@
                       </a:r>
                       <a:r>
                         <a:rPr lang="en-US" sz="1000" baseline="0" dirty="0" smtClean="0"/>
-                        <a:t>-tag </a:t>
-                      </a:r>
-                      <a:r>
-                        <a:rPr lang="en-US" sz="1000" baseline="0" dirty="0" smtClean="0"/>
-                        <a:t>MV1 &gt; 0.971966</a:t>
+                        <a:t>-tag MV1 &gt; 0.971966</a:t>
                       </a:r>
                       <a:endParaRPr lang="en-US" sz="1000" dirty="0"/>
                     </a:p>
@@ -9069,9 +9616,59 @@
           </a:p>
         </p:txBody>
       </p:sp>
+      <p:sp>
+        <p:nvSpPr>
+          <p:cNvPr id="5" name="TextBox 4"/>
+          <p:cNvSpPr txBox="1"/>
+          <p:nvPr/>
+        </p:nvSpPr>
+        <p:spPr>
+          <a:xfrm>
+            <a:off x="2209800" y="76200"/>
+            <a:ext cx="3152801" cy="369332"/>
+          </a:xfrm>
+          <a:prstGeom prst="rect">
+            <a:avLst/>
+          </a:prstGeom>
+          <a:noFill/>
+        </p:spPr>
+        <p:txBody>
+          <a:bodyPr wrap="none" rtlCol="0">
+            <a:spAutoFit/>
+          </a:bodyPr>
+          <a:lstStyle/>
+          <a:p>
+            <a:r>
+              <a:rPr lang="en-US" dirty="0" smtClean="0"/>
+              <a:t>(max) </a:t>
+            </a:r>
+            <a:r>
+              <a:rPr lang="en-US" dirty="0" err="1" smtClean="0"/>
+              <a:t>dR(b</a:t>
+            </a:r>
+            <a:r>
+              <a:rPr lang="en-US" dirty="0" smtClean="0"/>
+              <a:t>-tags, lead </a:t>
+            </a:r>
+            <a:r>
+              <a:rPr lang="en-US" dirty="0" err="1" smtClean="0"/>
+              <a:t>fatjet</a:t>
+            </a:r>
+            <a:r>
+              <a:rPr lang="en-US" dirty="0" smtClean="0"/>
+              <a:t>) </a:t>
+            </a:r>
+            <a:r>
+              <a:rPr lang="en-US" dirty="0" smtClean="0"/>
+              <a:t>n-1</a:t>
+            </a:r>
+            <a:endParaRPr lang="en-US" dirty="0"/>
+          </a:p>
+        </p:txBody>
+      </p:sp>
       <p:pic>
         <p:nvPicPr>
-          <p:cNvPr id="8" name="Picture 7" descr="all_samples_dR(b-tags, lead fatjet) n-1.eps"/>
+          <p:cNvPr id="9" name="Picture 8" descr="all_samples_dR(b-tags, lead fatjet) n-1.eps"/>
           <p:cNvPicPr>
             <a:picLocks noChangeAspect="1"/>
           </p:cNvPicPr>
@@ -9097,14 +9694,85 @@
         </mc:AlternateContent>
         <p:spPr>
           <a:xfrm>
-            <a:off x="152400" y="1676400"/>
-            <a:ext cx="5400675" cy="3943350"/>
+            <a:off x="838200" y="609600"/>
+            <a:ext cx="4320540" cy="3154680"/>
           </a:xfrm>
           <a:prstGeom prst="rect">
             <a:avLst/>
           </a:prstGeom>
         </p:spPr>
       </p:pic>
+      <p:pic>
+        <p:nvPicPr>
+          <p:cNvPr id="10" name="Picture 9" descr="all_samples_dR(b-tags, lead fatjet) n-1.eps"/>
+          <p:cNvPicPr>
+            <a:picLocks noChangeAspect="1"/>
+          </p:cNvPicPr>
+          <p:nvPr/>
+        </p:nvPicPr>
+        <mc:AlternateContent>
+          <mc:Choice xmlns:ma="http://schemas.microsoft.com/office/mac/drawingml/2008/main" Requires="ma">
+            <p:blipFill>
+              <a:blip r:embed="rId4"/>
+              <a:stretch>
+                <a:fillRect/>
+              </a:stretch>
+            </p:blipFill>
+          </mc:Choice>
+          <mc:Fallback>
+            <p:blipFill>
+              <a:blip r:embed="rId5"/>
+              <a:stretch>
+                <a:fillRect/>
+              </a:stretch>
+            </p:blipFill>
+          </mc:Fallback>
+        </mc:AlternateContent>
+        <p:spPr>
+          <a:xfrm>
+            <a:off x="838200" y="3703320"/>
+            <a:ext cx="4320540" cy="3154680"/>
+          </a:xfrm>
+          <a:prstGeom prst="rect">
+            <a:avLst/>
+          </a:prstGeom>
+        </p:spPr>
+      </p:pic>
+      <p:sp>
+        <p:nvSpPr>
+          <p:cNvPr id="11" name="TextBox 10"/>
+          <p:cNvSpPr txBox="1"/>
+          <p:nvPr/>
+        </p:nvSpPr>
+        <p:spPr>
+          <a:xfrm>
+            <a:off x="76200" y="4343400"/>
+            <a:ext cx="932628" cy="461665"/>
+          </a:xfrm>
+          <a:prstGeom prst="rect">
+            <a:avLst/>
+          </a:prstGeom>
+          <a:noFill/>
+          <a:ln>
+            <a:solidFill>
+              <a:srgbClr val="FF0000"/>
+            </a:solidFill>
+          </a:ln>
+        </p:spPr>
+        <p:txBody>
+          <a:bodyPr wrap="square" rtlCol="0">
+            <a:spAutoFit/>
+          </a:bodyPr>
+          <a:lstStyle/>
+          <a:p>
+            <a:r>
+              <a:rPr lang="en-US" sz="1200" dirty="0" smtClean="0"/>
+              <a:t>Single top removed</a:t>
+            </a:r>
+            <a:endParaRPr lang="en-US" sz="1200" dirty="0"/>
+          </a:p>
+        </p:txBody>
+      </p:sp>
     </p:spTree>
   </p:cSld>
   <p:clrMapOvr>
@@ -9440,11 +10108,7 @@
                     <a:p>
                       <a:r>
                         <a:rPr lang="en-US" sz="1000" dirty="0" smtClean="0"/>
-                        <a:t>&lt;= 1 </a:t>
-                      </a:r>
-                      <a:r>
-                        <a:rPr lang="en-US" sz="1000" dirty="0" smtClean="0"/>
-                        <a:t>antikt4 jet with:</a:t>
+                        <a:t>&lt;= 1 antikt4 jet with:</a:t>
                       </a:r>
                     </a:p>
                     <a:p>
@@ -9719,15 +10383,7 @@
                       </a:r>
                       <a:r>
                         <a:rPr lang="en-US" sz="1000" baseline="0" dirty="0" smtClean="0"/>
-                        <a:t> </a:t>
-                      </a:r>
-                      <a:r>
-                        <a:rPr lang="en-US" sz="1000" baseline="0" dirty="0" smtClean="0"/>
-                        <a:t>&gt; </a:t>
-                      </a:r>
-                      <a:r>
-                        <a:rPr lang="en-US" sz="1000" baseline="0" dirty="0" smtClean="0"/>
-                        <a:t>20</a:t>
+                        <a:t> &gt; 20</a:t>
                       </a:r>
                     </a:p>
                     <a:p>
@@ -9737,15 +10393,7 @@
                       </a:r>
                       <a:r>
                         <a:rPr lang="en-US" sz="1000" baseline="0" dirty="0" smtClean="0"/>
-                        <a:t> </a:t>
-                      </a:r>
-                      <a:r>
-                        <a:rPr lang="en-US" sz="1000" baseline="0" dirty="0" smtClean="0"/>
-                        <a:t>&lt; </a:t>
-                      </a:r>
-                      <a:r>
-                        <a:rPr lang="en-US" sz="1000" baseline="0" dirty="0" smtClean="0"/>
-                        <a:t>2.5</a:t>
+                        <a:t> &lt; 2.5</a:t>
                       </a:r>
                     </a:p>
                     <a:p>
@@ -9759,11 +10407,7 @@
                       </a:r>
                       <a:r>
                         <a:rPr lang="en-US" sz="1000" baseline="0" dirty="0" smtClean="0"/>
-                        <a:t> &lt; </a:t>
-                      </a:r>
-                      <a:r>
-                        <a:rPr lang="en-US" sz="1000" baseline="0" dirty="0" smtClean="0"/>
-                        <a:t>1.0</a:t>
+                        <a:t> &lt; 1.0</a:t>
                       </a:r>
                       <a:endParaRPr lang="en-US" sz="1000" dirty="0"/>
                     </a:p>
@@ -9793,11 +10437,7 @@
                     <a:p>
                       <a:r>
                         <a:rPr lang="en-US" sz="1000" dirty="0" smtClean="0"/>
-                        <a:t>2</a:t>
-                      </a:r>
-                      <a:r>
-                        <a:rPr lang="en-US" sz="1000" dirty="0" smtClean="0"/>
-                        <a:t> </a:t>
+                        <a:t>2 </a:t>
                       </a:r>
                       <a:r>
                         <a:rPr lang="en-US" sz="1000" dirty="0" err="1" smtClean="0"/>
@@ -9823,11 +10463,7 @@
                       </a:r>
                       <a:r>
                         <a:rPr lang="en-US" sz="1000" baseline="0" dirty="0" smtClean="0"/>
-                        <a:t>-tag </a:t>
-                      </a:r>
-                      <a:r>
-                        <a:rPr lang="en-US" sz="1000" baseline="0" dirty="0" smtClean="0"/>
-                        <a:t>MV1 &gt; 0.971966</a:t>
+                        <a:t>-tag MV1 &gt; 0.971966</a:t>
                       </a:r>
                       <a:endParaRPr lang="en-US" sz="1000" dirty="0"/>
                     </a:p>
@@ -9853,9 +10489,39 @@
           </a:graphicData>
         </a:graphic>
       </p:graphicFrame>
+      <p:sp>
+        <p:nvSpPr>
+          <p:cNvPr id="4" name="TextBox 3"/>
+          <p:cNvSpPr txBox="1"/>
+          <p:nvPr/>
+        </p:nvSpPr>
+        <p:spPr>
+          <a:xfrm>
+            <a:off x="2209800" y="76200"/>
+            <a:ext cx="1649911" cy="369332"/>
+          </a:xfrm>
+          <a:prstGeom prst="rect">
+            <a:avLst/>
+          </a:prstGeom>
+          <a:noFill/>
+        </p:spPr>
+        <p:txBody>
+          <a:bodyPr wrap="none" rtlCol="0">
+            <a:spAutoFit/>
+          </a:bodyPr>
+          <a:lstStyle/>
+          <a:p>
+            <a:r>
+              <a:rPr lang="en-US" dirty="0" smtClean="0"/>
+              <a:t>C2, post all cuts</a:t>
+            </a:r>
+            <a:endParaRPr lang="en-US" dirty="0"/>
+          </a:p>
+        </p:txBody>
+      </p:sp>
       <p:pic>
         <p:nvPicPr>
-          <p:cNvPr id="6" name="Picture 5" descr="all_samples_C2, post all cuts.eps"/>
+          <p:cNvPr id="5" name="Picture 4" descr="all_samples_C2, post all cuts.eps"/>
           <p:cNvPicPr>
             <a:picLocks noChangeAspect="1"/>
           </p:cNvPicPr>
@@ -9881,14 +10547,85 @@
         </mc:AlternateContent>
         <p:spPr>
           <a:xfrm>
-            <a:off x="228600" y="1524000"/>
-            <a:ext cx="5400675" cy="3943350"/>
+            <a:off x="533400" y="445532"/>
+            <a:ext cx="4320540" cy="3154680"/>
           </a:xfrm>
           <a:prstGeom prst="rect">
             <a:avLst/>
           </a:prstGeom>
         </p:spPr>
       </p:pic>
+      <p:pic>
+        <p:nvPicPr>
+          <p:cNvPr id="8" name="Picture 7" descr="all_samples_C2, post all cuts.eps"/>
+          <p:cNvPicPr>
+            <a:picLocks noChangeAspect="1"/>
+          </p:cNvPicPr>
+          <p:nvPr/>
+        </p:nvPicPr>
+        <mc:AlternateContent>
+          <mc:Choice xmlns:ma="http://schemas.microsoft.com/office/mac/drawingml/2008/main" Requires="ma">
+            <p:blipFill>
+              <a:blip r:embed="rId4"/>
+              <a:stretch>
+                <a:fillRect/>
+              </a:stretch>
+            </p:blipFill>
+          </mc:Choice>
+          <mc:Fallback>
+            <p:blipFill>
+              <a:blip r:embed="rId5"/>
+              <a:stretch>
+                <a:fillRect/>
+              </a:stretch>
+            </p:blipFill>
+          </mc:Fallback>
+        </mc:AlternateContent>
+        <p:spPr>
+          <a:xfrm>
+            <a:off x="556260" y="3550920"/>
+            <a:ext cx="4320540" cy="3154680"/>
+          </a:xfrm>
+          <a:prstGeom prst="rect">
+            <a:avLst/>
+          </a:prstGeom>
+        </p:spPr>
+      </p:pic>
+      <p:sp>
+        <p:nvSpPr>
+          <p:cNvPr id="9" name="TextBox 8"/>
+          <p:cNvSpPr txBox="1"/>
+          <p:nvPr/>
+        </p:nvSpPr>
+        <p:spPr>
+          <a:xfrm>
+            <a:off x="76200" y="4343400"/>
+            <a:ext cx="932628" cy="461665"/>
+          </a:xfrm>
+          <a:prstGeom prst="rect">
+            <a:avLst/>
+          </a:prstGeom>
+          <a:noFill/>
+          <a:ln>
+            <a:solidFill>
+              <a:srgbClr val="FF0000"/>
+            </a:solidFill>
+          </a:ln>
+        </p:spPr>
+        <p:txBody>
+          <a:bodyPr wrap="square" rtlCol="0">
+            <a:spAutoFit/>
+          </a:bodyPr>
+          <a:lstStyle/>
+          <a:p>
+            <a:r>
+              <a:rPr lang="en-US" sz="1200" dirty="0" smtClean="0"/>
+              <a:t>Single top removed</a:t>
+            </a:r>
+            <a:endParaRPr lang="en-US" sz="1200" dirty="0"/>
+          </a:p>
+        </p:txBody>
+      </p:sp>
     </p:spTree>
   </p:cSld>
   <p:clrMapOvr>
@@ -10172,11 +10909,7 @@
                     <a:p>
                       <a:r>
                         <a:rPr lang="en-US" sz="1000" dirty="0" smtClean="0"/>
-                        <a:t>&lt;= 1 </a:t>
-                      </a:r>
-                      <a:r>
-                        <a:rPr lang="en-US" sz="1000" dirty="0" smtClean="0"/>
-                        <a:t>antikt4 jet with:</a:t>
+                        <a:t>&lt;= 1 antikt4 jet with:</a:t>
                       </a:r>
                     </a:p>
                     <a:p>
@@ -10437,11 +11170,7 @@
                       </a:r>
                       <a:r>
                         <a:rPr lang="en-US" sz="1000" dirty="0" smtClean="0"/>
-                        <a:t> </a:t>
-                      </a:r>
-                      <a:r>
-                        <a:rPr lang="en-US" sz="1000" dirty="0" smtClean="0"/>
-                        <a:t>jets:</a:t>
+                        <a:t> jets:</a:t>
                       </a:r>
                     </a:p>
                     <a:p>
@@ -10451,15 +11180,7 @@
                       </a:r>
                       <a:r>
                         <a:rPr lang="en-US" sz="1000" baseline="0" dirty="0" smtClean="0"/>
-                        <a:t> </a:t>
-                      </a:r>
-                      <a:r>
-                        <a:rPr lang="en-US" sz="1000" baseline="0" dirty="0" smtClean="0"/>
-                        <a:t>&gt; </a:t>
-                      </a:r>
-                      <a:r>
-                        <a:rPr lang="en-US" sz="1000" baseline="0" dirty="0" smtClean="0"/>
-                        <a:t>20</a:t>
+                        <a:t> &gt; 20</a:t>
                       </a:r>
                     </a:p>
                     <a:p>
@@ -10469,15 +11190,7 @@
                       </a:r>
                       <a:r>
                         <a:rPr lang="en-US" sz="1000" baseline="0" dirty="0" smtClean="0"/>
-                        <a:t> </a:t>
-                      </a:r>
-                      <a:r>
-                        <a:rPr lang="en-US" sz="1000" baseline="0" dirty="0" smtClean="0"/>
-                        <a:t>&lt; </a:t>
-                      </a:r>
-                      <a:r>
-                        <a:rPr lang="en-US" sz="1000" baseline="0" dirty="0" smtClean="0"/>
-                        <a:t>2.5</a:t>
+                        <a:t> &lt; 2.5</a:t>
                       </a:r>
                     </a:p>
                     <a:p>
@@ -10491,11 +11204,7 @@
                       </a:r>
                       <a:r>
                         <a:rPr lang="en-US" sz="1000" baseline="0" dirty="0" smtClean="0"/>
-                        <a:t> &lt; </a:t>
-                      </a:r>
-                      <a:r>
-                        <a:rPr lang="en-US" sz="1000" baseline="0" dirty="0" smtClean="0"/>
-                        <a:t>1.0</a:t>
+                        <a:t> &lt; 1.0</a:t>
                       </a:r>
                       <a:endParaRPr lang="en-US" sz="1000" dirty="0"/>
                     </a:p>
@@ -10525,11 +11234,7 @@
                     <a:p>
                       <a:r>
                         <a:rPr lang="en-US" sz="1000" dirty="0" smtClean="0"/>
-                        <a:t>2</a:t>
-                      </a:r>
-                      <a:r>
-                        <a:rPr lang="en-US" sz="1000" dirty="0" smtClean="0"/>
-                        <a:t> </a:t>
+                        <a:t>2 </a:t>
                       </a:r>
                       <a:r>
                         <a:rPr lang="en-US" sz="1000" dirty="0" err="1" smtClean="0"/>
@@ -10555,11 +11260,7 @@
                       </a:r>
                       <a:r>
                         <a:rPr lang="en-US" sz="1000" baseline="0" dirty="0" smtClean="0"/>
-                        <a:t>-tag </a:t>
-                      </a:r>
-                      <a:r>
-                        <a:rPr lang="en-US" sz="1000" baseline="0" dirty="0" smtClean="0"/>
-                        <a:t>MV1 &gt; 0.971966</a:t>
+                        <a:t>-tag MV1 &gt; 0.971966</a:t>
                       </a:r>
                       <a:endParaRPr lang="en-US" sz="1000" dirty="0"/>
                     </a:p>
@@ -10585,9 +11286,51 @@
           </a:graphicData>
         </a:graphic>
       </p:graphicFrame>
+      <p:sp>
+        <p:nvSpPr>
+          <p:cNvPr id="9" name="TextBox 8"/>
+          <p:cNvSpPr txBox="1"/>
+          <p:nvPr/>
+        </p:nvSpPr>
+        <p:spPr>
+          <a:xfrm>
+            <a:off x="2209800" y="76200"/>
+            <a:ext cx="1869247" cy="369332"/>
+          </a:xfrm>
+          <a:prstGeom prst="rect">
+            <a:avLst/>
+          </a:prstGeom>
+          <a:noFill/>
+        </p:spPr>
+        <p:txBody>
+          <a:bodyPr wrap="none" rtlCol="0">
+            <a:spAutoFit/>
+          </a:bodyPr>
+          <a:lstStyle/>
+          <a:p>
+            <a:r>
+              <a:rPr lang="en-US" dirty="0" err="1" smtClean="0"/>
+              <a:t>pT(lead</a:t>
+            </a:r>
+            <a:r>
+              <a:rPr lang="en-US" dirty="0" smtClean="0"/>
+              <a:t> </a:t>
+            </a:r>
+            <a:r>
+              <a:rPr lang="en-US" dirty="0" err="1" smtClean="0"/>
+              <a:t>fatjet</a:t>
+            </a:r>
+            <a:r>
+              <a:rPr lang="en-US" dirty="0" smtClean="0"/>
+              <a:t>) n-1</a:t>
+            </a:r>
+            <a:endParaRPr lang="en-US" dirty="0"/>
+          </a:p>
+        </p:txBody>
+      </p:sp>
       <p:pic>
         <p:nvPicPr>
-          <p:cNvPr id="8" name="Picture 7" descr="all_samples_pT(lead fatjet) n-1.eps"/>
+          <p:cNvPr id="6" name="Picture 5" descr="all_samples_pT(lead fatjet) n-1.eps"/>
           <p:cNvPicPr>
             <a:picLocks noChangeAspect="1"/>
           </p:cNvPicPr>
@@ -10613,8 +11356,44 @@
         </mc:AlternateContent>
         <p:spPr>
           <a:xfrm>
-            <a:off x="161925" y="228600"/>
-            <a:ext cx="5400675" cy="3943350"/>
+            <a:off x="708660" y="609600"/>
+            <a:ext cx="4320540" cy="3154680"/>
+          </a:xfrm>
+          <a:prstGeom prst="rect">
+            <a:avLst/>
+          </a:prstGeom>
+        </p:spPr>
+      </p:pic>
+      <p:pic>
+        <p:nvPicPr>
+          <p:cNvPr id="10" name="Picture 9" descr="all_samples_pT(lead fatjet) n-1.eps"/>
+          <p:cNvPicPr>
+            <a:picLocks noChangeAspect="1"/>
+          </p:cNvPicPr>
+          <p:nvPr/>
+        </p:nvPicPr>
+        <mc:AlternateContent>
+          <mc:Choice xmlns:ma="http://schemas.microsoft.com/office/mac/drawingml/2008/main" Requires="ma">
+            <p:blipFill>
+              <a:blip r:embed="rId4"/>
+              <a:stretch>
+                <a:fillRect/>
+              </a:stretch>
+            </p:blipFill>
+          </mc:Choice>
+          <mc:Fallback>
+            <p:blipFill>
+              <a:blip r:embed="rId5"/>
+              <a:stretch>
+                <a:fillRect/>
+              </a:stretch>
+            </p:blipFill>
+          </mc:Fallback>
+        </mc:AlternateContent>
+        <p:spPr>
+          <a:xfrm>
+            <a:off x="708660" y="3495040"/>
+            <a:ext cx="4320540" cy="3154680"/>
           </a:xfrm>
           <a:prstGeom prst="rect">
             <a:avLst/>
@@ -10623,39 +11402,36 @@
       </p:pic>
       <p:sp>
         <p:nvSpPr>
-          <p:cNvPr id="9" name="TextBox 8"/>
+          <p:cNvPr id="11" name="TextBox 10"/>
           <p:cNvSpPr txBox="1"/>
           <p:nvPr/>
         </p:nvSpPr>
         <p:spPr>
           <a:xfrm>
-            <a:off x="2438400" y="5638800"/>
-            <a:ext cx="3499501" cy="369332"/>
+            <a:off x="76200" y="4343400"/>
+            <a:ext cx="932628" cy="461665"/>
           </a:xfrm>
           <a:prstGeom prst="rect">
             <a:avLst/>
           </a:prstGeom>
           <a:noFill/>
+          <a:ln>
+            <a:solidFill>
+              <a:srgbClr val="FF0000"/>
+            </a:solidFill>
+          </a:ln>
         </p:spPr>
         <p:txBody>
-          <a:bodyPr wrap="none" rtlCol="0">
+          <a:bodyPr wrap="square" rtlCol="0">
             <a:spAutoFit/>
           </a:bodyPr>
           <a:lstStyle/>
           <a:p>
             <a:r>
-              <a:rPr lang="en-US" dirty="0" smtClean="0"/>
-              <a:t>Same plot with </a:t>
+              <a:rPr lang="en-US" sz="1200" dirty="0" smtClean="0"/>
+              <a:t>Single top removed</a:t>
             </a:r>
-            <a:r>
-              <a:rPr lang="en-US" dirty="0" err="1" smtClean="0"/>
-              <a:t>singletop</a:t>
-            </a:r>
-            <a:r>
-              <a:rPr lang="en-US" dirty="0" smtClean="0"/>
-              <a:t>? removed</a:t>
-            </a:r>
-            <a:endParaRPr lang="en-US" dirty="0"/>
+            <a:endParaRPr lang="en-US" sz="1200" dirty="0"/>
           </a:p>
         </p:txBody>
       </p:sp>
@@ -10946,11 +11722,7 @@
                     <a:p>
                       <a:r>
                         <a:rPr lang="en-US" sz="1000" dirty="0" smtClean="0"/>
-                        <a:t>&lt;= 1 </a:t>
-                      </a:r>
-                      <a:r>
-                        <a:rPr lang="en-US" sz="1000" dirty="0" smtClean="0"/>
-                        <a:t>antikt4 jet with:</a:t>
+                        <a:t>&lt;= 1 antikt4 jet with:</a:t>
                       </a:r>
                     </a:p>
                     <a:p>
@@ -11225,15 +11997,7 @@
                       </a:r>
                       <a:r>
                         <a:rPr lang="en-US" sz="1000" baseline="0" dirty="0" smtClean="0"/>
-                        <a:t> </a:t>
-                      </a:r>
-                      <a:r>
-                        <a:rPr lang="en-US" sz="1000" baseline="0" dirty="0" smtClean="0"/>
-                        <a:t>&gt; </a:t>
-                      </a:r>
-                      <a:r>
-                        <a:rPr lang="en-US" sz="1000" baseline="0" dirty="0" smtClean="0"/>
-                        <a:t>20</a:t>
+                        <a:t> &gt; 20</a:t>
                       </a:r>
                     </a:p>
                     <a:p>
@@ -11243,15 +12007,7 @@
                       </a:r>
                       <a:r>
                         <a:rPr lang="en-US" sz="1000" baseline="0" dirty="0" smtClean="0"/>
-                        <a:t> </a:t>
-                      </a:r>
-                      <a:r>
-                        <a:rPr lang="en-US" sz="1000" baseline="0" dirty="0" smtClean="0"/>
-                        <a:t>&lt; </a:t>
-                      </a:r>
-                      <a:r>
-                        <a:rPr lang="en-US" sz="1000" baseline="0" dirty="0" smtClean="0"/>
-                        <a:t>2.5</a:t>
+                        <a:t> &lt; 2.5</a:t>
                       </a:r>
                     </a:p>
                     <a:p>
@@ -11265,11 +12021,7 @@
                       </a:r>
                       <a:r>
                         <a:rPr lang="en-US" sz="1000" baseline="0" dirty="0" smtClean="0"/>
-                        <a:t> &lt; </a:t>
-                      </a:r>
-                      <a:r>
-                        <a:rPr lang="en-US" sz="1000" baseline="0" dirty="0" smtClean="0"/>
-                        <a:t>1.0</a:t>
+                        <a:t> &lt; 1.0</a:t>
                       </a:r>
                       <a:endParaRPr lang="en-US" sz="1000" dirty="0"/>
                     </a:p>
@@ -11299,11 +12051,7 @@
                     <a:p>
                       <a:r>
                         <a:rPr lang="en-US" sz="1000" dirty="0" smtClean="0"/>
-                        <a:t>2</a:t>
-                      </a:r>
-                      <a:r>
-                        <a:rPr lang="en-US" sz="1000" dirty="0" smtClean="0"/>
-                        <a:t> </a:t>
+                        <a:t>2 </a:t>
                       </a:r>
                       <a:r>
                         <a:rPr lang="en-US" sz="1000" dirty="0" err="1" smtClean="0"/>
@@ -11329,11 +12077,7 @@
                       </a:r>
                       <a:r>
                         <a:rPr lang="en-US" sz="1000" baseline="0" dirty="0" smtClean="0"/>
-                        <a:t>-tag </a:t>
-                      </a:r>
-                      <a:r>
-                        <a:rPr lang="en-US" sz="1000" baseline="0" dirty="0" smtClean="0"/>
-                        <a:t>MV1 &gt; 0.971966</a:t>
+                        <a:t>-tag MV1 &gt; 0.971966</a:t>
                       </a:r>
                       <a:endParaRPr lang="en-US" sz="1000" dirty="0"/>
                     </a:p>
@@ -11359,9 +12103,43 @@
           </a:graphicData>
         </a:graphic>
       </p:graphicFrame>
+      <p:sp>
+        <p:nvSpPr>
+          <p:cNvPr id="4" name="TextBox 3"/>
+          <p:cNvSpPr txBox="1"/>
+          <p:nvPr/>
+        </p:nvSpPr>
+        <p:spPr>
+          <a:xfrm>
+            <a:off x="2209800" y="76200"/>
+            <a:ext cx="1672253" cy="369332"/>
+          </a:xfrm>
+          <a:prstGeom prst="rect">
+            <a:avLst/>
+          </a:prstGeom>
+          <a:noFill/>
+        </p:spPr>
+        <p:txBody>
+          <a:bodyPr wrap="none" rtlCol="0">
+            <a:spAutoFit/>
+          </a:bodyPr>
+          <a:lstStyle/>
+          <a:p>
+            <a:r>
+              <a:rPr lang="en-US" dirty="0" smtClean="0"/>
+              <a:t>D</a:t>
+            </a:r>
+            <a:r>
+              <a:rPr lang="en-US" dirty="0" smtClean="0"/>
+              <a:t>2, post all cuts</a:t>
+            </a:r>
+            <a:endParaRPr lang="en-US" dirty="0"/>
+          </a:p>
+        </p:txBody>
+      </p:sp>
       <p:pic>
         <p:nvPicPr>
-          <p:cNvPr id="6" name="Picture 5" descr="all_samples_D2, post all cuts.eps"/>
+          <p:cNvPr id="5" name="Picture 4" descr="all_samples_D2, post all cuts.eps"/>
           <p:cNvPicPr>
             <a:picLocks noChangeAspect="1"/>
           </p:cNvPicPr>
@@ -11387,14 +12165,85 @@
         </mc:AlternateContent>
         <p:spPr>
           <a:xfrm>
-            <a:off x="304800" y="1447800"/>
-            <a:ext cx="5400675" cy="3943350"/>
+            <a:off x="685800" y="445532"/>
+            <a:ext cx="4320540" cy="3154680"/>
           </a:xfrm>
           <a:prstGeom prst="rect">
             <a:avLst/>
           </a:prstGeom>
         </p:spPr>
       </p:pic>
+      <p:pic>
+        <p:nvPicPr>
+          <p:cNvPr id="8" name="Picture 7" descr="all_samples_D2, post all cuts.eps"/>
+          <p:cNvPicPr>
+            <a:picLocks noChangeAspect="1"/>
+          </p:cNvPicPr>
+          <p:nvPr/>
+        </p:nvPicPr>
+        <mc:AlternateContent>
+          <mc:Choice xmlns:ma="http://schemas.microsoft.com/office/mac/drawingml/2008/main" Requires="ma">
+            <p:blipFill>
+              <a:blip r:embed="rId4"/>
+              <a:stretch>
+                <a:fillRect/>
+              </a:stretch>
+            </p:blipFill>
+          </mc:Choice>
+          <mc:Fallback>
+            <p:blipFill>
+              <a:blip r:embed="rId5"/>
+              <a:stretch>
+                <a:fillRect/>
+              </a:stretch>
+            </p:blipFill>
+          </mc:Fallback>
+        </mc:AlternateContent>
+        <p:spPr>
+          <a:xfrm>
+            <a:off x="685800" y="3474720"/>
+            <a:ext cx="4320540" cy="3154680"/>
+          </a:xfrm>
+          <a:prstGeom prst="rect">
+            <a:avLst/>
+          </a:prstGeom>
+        </p:spPr>
+      </p:pic>
+      <p:sp>
+        <p:nvSpPr>
+          <p:cNvPr id="9" name="TextBox 8"/>
+          <p:cNvSpPr txBox="1"/>
+          <p:nvPr/>
+        </p:nvSpPr>
+        <p:spPr>
+          <a:xfrm>
+            <a:off x="76200" y="4343400"/>
+            <a:ext cx="932628" cy="461665"/>
+          </a:xfrm>
+          <a:prstGeom prst="rect">
+            <a:avLst/>
+          </a:prstGeom>
+          <a:noFill/>
+          <a:ln>
+            <a:solidFill>
+              <a:srgbClr val="FF0000"/>
+            </a:solidFill>
+          </a:ln>
+        </p:spPr>
+        <p:txBody>
+          <a:bodyPr wrap="square" rtlCol="0">
+            <a:spAutoFit/>
+          </a:bodyPr>
+          <a:lstStyle/>
+          <a:p>
+            <a:r>
+              <a:rPr lang="en-US" sz="1200" dirty="0" smtClean="0"/>
+              <a:t>Single top removed</a:t>
+            </a:r>
+            <a:endParaRPr lang="en-US" sz="1200" dirty="0"/>
+          </a:p>
+        </p:txBody>
+      </p:sp>
     </p:spTree>
   </p:cSld>
   <p:clrMapOvr>
@@ -11682,11 +12531,7 @@
                     <a:p>
                       <a:r>
                         <a:rPr lang="en-US" sz="1000" dirty="0" smtClean="0"/>
-                        <a:t>&lt;= 1 </a:t>
-                      </a:r>
-                      <a:r>
-                        <a:rPr lang="en-US" sz="1000" dirty="0" smtClean="0"/>
-                        <a:t>antikt4 jet with:</a:t>
+                        <a:t>&lt;= 1 antikt4 jet with:</a:t>
                       </a:r>
                     </a:p>
                     <a:p>
@@ -11961,15 +12806,7 @@
                       </a:r>
                       <a:r>
                         <a:rPr lang="en-US" sz="1000" baseline="0" dirty="0" smtClean="0"/>
-                        <a:t> </a:t>
-                      </a:r>
-                      <a:r>
-                        <a:rPr lang="en-US" sz="1000" baseline="0" dirty="0" smtClean="0"/>
-                        <a:t>&gt; </a:t>
-                      </a:r>
-                      <a:r>
-                        <a:rPr lang="en-US" sz="1000" baseline="0" dirty="0" smtClean="0"/>
-                        <a:t>20</a:t>
+                        <a:t> &gt; 20</a:t>
                       </a:r>
                     </a:p>
                     <a:p>
@@ -11979,15 +12816,7 @@
                       </a:r>
                       <a:r>
                         <a:rPr lang="en-US" sz="1000" baseline="0" dirty="0" smtClean="0"/>
-                        <a:t> </a:t>
-                      </a:r>
-                      <a:r>
-                        <a:rPr lang="en-US" sz="1000" baseline="0" dirty="0" smtClean="0"/>
-                        <a:t>&lt; </a:t>
-                      </a:r>
-                      <a:r>
-                        <a:rPr lang="en-US" sz="1000" baseline="0" dirty="0" smtClean="0"/>
-                        <a:t>2.5</a:t>
+                        <a:t> &lt; 2.5</a:t>
                       </a:r>
                     </a:p>
                     <a:p>
@@ -12001,11 +12830,7 @@
                       </a:r>
                       <a:r>
                         <a:rPr lang="en-US" sz="1000" baseline="0" dirty="0" smtClean="0"/>
-                        <a:t> &lt; </a:t>
-                      </a:r>
-                      <a:r>
-                        <a:rPr lang="en-US" sz="1000" baseline="0" dirty="0" smtClean="0"/>
-                        <a:t>1.0</a:t>
+                        <a:t> &lt; 1.0</a:t>
                       </a:r>
                       <a:endParaRPr lang="en-US" sz="1000" dirty="0"/>
                     </a:p>
@@ -12035,11 +12860,7 @@
                     <a:p>
                       <a:r>
                         <a:rPr lang="en-US" sz="1000" dirty="0" smtClean="0"/>
-                        <a:t>2</a:t>
-                      </a:r>
-                      <a:r>
-                        <a:rPr lang="en-US" sz="1000" dirty="0" smtClean="0"/>
-                        <a:t> </a:t>
+                        <a:t>2 </a:t>
                       </a:r>
                       <a:r>
                         <a:rPr lang="en-US" sz="1000" dirty="0" err="1" smtClean="0"/>
@@ -12065,11 +12886,7 @@
                       </a:r>
                       <a:r>
                         <a:rPr lang="en-US" sz="1000" baseline="0" dirty="0" smtClean="0"/>
-                        <a:t>-tag </a:t>
-                      </a:r>
-                      <a:r>
-                        <a:rPr lang="en-US" sz="1000" baseline="0" dirty="0" smtClean="0"/>
-                        <a:t>MV1 &gt; 0.971966</a:t>
+                        <a:t>-tag MV1 &gt; 0.971966</a:t>
                       </a:r>
                       <a:endParaRPr lang="en-US" sz="1000" dirty="0"/>
                     </a:p>
@@ -12095,9 +12912,39 @@
           </a:graphicData>
         </a:graphic>
       </p:graphicFrame>
+      <p:sp>
+        <p:nvSpPr>
+          <p:cNvPr id="4" name="TextBox 3"/>
+          <p:cNvSpPr txBox="1"/>
+          <p:nvPr/>
+        </p:nvSpPr>
+        <p:spPr>
+          <a:xfrm>
+            <a:off x="2209800" y="76200"/>
+            <a:ext cx="1970123" cy="369332"/>
+          </a:xfrm>
+          <a:prstGeom prst="rect">
+            <a:avLst/>
+          </a:prstGeom>
+          <a:noFill/>
+        </p:spPr>
+        <p:txBody>
+          <a:bodyPr wrap="none" rtlCol="0">
+            <a:spAutoFit/>
+          </a:bodyPr>
+          <a:lstStyle/>
+          <a:p>
+            <a:r>
+              <a:rPr lang="en-US" dirty="0" smtClean="0"/>
+              <a:t>Tau21, post all cuts</a:t>
+            </a:r>
+            <a:endParaRPr lang="en-US" dirty="0"/>
+          </a:p>
+        </p:txBody>
+      </p:sp>
       <p:pic>
         <p:nvPicPr>
-          <p:cNvPr id="6" name="Picture 5" descr="all_samples_Tau21, post all cuts.eps"/>
+          <p:cNvPr id="5" name="Picture 4" descr="all_samples_Tau21, post all cuts.eps"/>
           <p:cNvPicPr>
             <a:picLocks noChangeAspect="1"/>
           </p:cNvPicPr>
@@ -12123,14 +12970,85 @@
         </mc:AlternateContent>
         <p:spPr>
           <a:xfrm>
-            <a:off x="152400" y="1828800"/>
-            <a:ext cx="5400675" cy="3943350"/>
+            <a:off x="685800" y="445532"/>
+            <a:ext cx="4320540" cy="3154680"/>
           </a:xfrm>
           <a:prstGeom prst="rect">
             <a:avLst/>
           </a:prstGeom>
         </p:spPr>
       </p:pic>
+      <p:pic>
+        <p:nvPicPr>
+          <p:cNvPr id="8" name="Picture 7" descr="all_samples_Tau21, post all cuts.eps"/>
+          <p:cNvPicPr>
+            <a:picLocks noChangeAspect="1"/>
+          </p:cNvPicPr>
+          <p:nvPr/>
+        </p:nvPicPr>
+        <mc:AlternateContent>
+          <mc:Choice xmlns:ma="http://schemas.microsoft.com/office/mac/drawingml/2008/main" Requires="ma">
+            <p:blipFill>
+              <a:blip r:embed="rId4"/>
+              <a:stretch>
+                <a:fillRect/>
+              </a:stretch>
+            </p:blipFill>
+          </mc:Choice>
+          <mc:Fallback>
+            <p:blipFill>
+              <a:blip r:embed="rId5"/>
+              <a:stretch>
+                <a:fillRect/>
+              </a:stretch>
+            </p:blipFill>
+          </mc:Fallback>
+        </mc:AlternateContent>
+        <p:spPr>
+          <a:xfrm>
+            <a:off x="685800" y="3352800"/>
+            <a:ext cx="4320540" cy="3154680"/>
+          </a:xfrm>
+          <a:prstGeom prst="rect">
+            <a:avLst/>
+          </a:prstGeom>
+        </p:spPr>
+      </p:pic>
+      <p:sp>
+        <p:nvSpPr>
+          <p:cNvPr id="9" name="TextBox 8"/>
+          <p:cNvSpPr txBox="1"/>
+          <p:nvPr/>
+        </p:nvSpPr>
+        <p:spPr>
+          <a:xfrm>
+            <a:off x="76200" y="4343400"/>
+            <a:ext cx="932628" cy="461665"/>
+          </a:xfrm>
+          <a:prstGeom prst="rect">
+            <a:avLst/>
+          </a:prstGeom>
+          <a:noFill/>
+          <a:ln>
+            <a:solidFill>
+              <a:srgbClr val="FF0000"/>
+            </a:solidFill>
+          </a:ln>
+        </p:spPr>
+        <p:txBody>
+          <a:bodyPr wrap="square" rtlCol="0">
+            <a:spAutoFit/>
+          </a:bodyPr>
+          <a:lstStyle/>
+          <a:p>
+            <a:r>
+              <a:rPr lang="en-US" sz="1200" dirty="0" smtClean="0"/>
+              <a:t>Single top removed</a:t>
+            </a:r>
+            <a:endParaRPr lang="en-US" sz="1200" dirty="0"/>
+          </a:p>
+        </p:txBody>
+      </p:sp>
     </p:spTree>
   </p:cSld>
   <p:clrMapOvr>
@@ -12414,11 +13332,7 @@
                     <a:p>
                       <a:r>
                         <a:rPr lang="en-US" sz="1000" dirty="0" smtClean="0"/>
-                        <a:t>&lt;= 1 </a:t>
-                      </a:r>
-                      <a:r>
-                        <a:rPr lang="en-US" sz="1000" dirty="0" smtClean="0"/>
-                        <a:t>antikt4 jet with:</a:t>
+                        <a:t>&lt;= 1 antikt4 jet with:</a:t>
                       </a:r>
                     </a:p>
                     <a:p>
@@ -12679,11 +13593,7 @@
                       </a:r>
                       <a:r>
                         <a:rPr lang="en-US" sz="1000" dirty="0" smtClean="0"/>
-                        <a:t> </a:t>
-                      </a:r>
-                      <a:r>
-                        <a:rPr lang="en-US" sz="1000" dirty="0" smtClean="0"/>
-                        <a:t>jets:</a:t>
+                        <a:t> jets:</a:t>
                       </a:r>
                     </a:p>
                     <a:p>
@@ -12693,15 +13603,7 @@
                       </a:r>
                       <a:r>
                         <a:rPr lang="en-US" sz="1000" baseline="0" dirty="0" smtClean="0"/>
-                        <a:t> </a:t>
-                      </a:r>
-                      <a:r>
-                        <a:rPr lang="en-US" sz="1000" baseline="0" dirty="0" smtClean="0"/>
-                        <a:t>&gt; </a:t>
-                      </a:r>
-                      <a:r>
-                        <a:rPr lang="en-US" sz="1000" baseline="0" dirty="0" smtClean="0"/>
-                        <a:t>20</a:t>
+                        <a:t> &gt; 20</a:t>
                       </a:r>
                     </a:p>
                     <a:p>
@@ -12711,15 +13613,7 @@
                       </a:r>
                       <a:r>
                         <a:rPr lang="en-US" sz="1000" baseline="0" dirty="0" smtClean="0"/>
-                        <a:t> </a:t>
-                      </a:r>
-                      <a:r>
-                        <a:rPr lang="en-US" sz="1000" baseline="0" dirty="0" smtClean="0"/>
-                        <a:t>&lt; </a:t>
-                      </a:r>
-                      <a:r>
-                        <a:rPr lang="en-US" sz="1000" baseline="0" dirty="0" smtClean="0"/>
-                        <a:t>2.5</a:t>
+                        <a:t> &lt; 2.5</a:t>
                       </a:r>
                     </a:p>
                     <a:p>
@@ -12733,11 +13627,7 @@
                       </a:r>
                       <a:r>
                         <a:rPr lang="en-US" sz="1000" baseline="0" dirty="0" smtClean="0"/>
-                        <a:t> &lt; </a:t>
-                      </a:r>
-                      <a:r>
-                        <a:rPr lang="en-US" sz="1000" baseline="0" dirty="0" smtClean="0"/>
-                        <a:t>1.0</a:t>
+                        <a:t> &lt; 1.0</a:t>
                       </a:r>
                       <a:endParaRPr lang="en-US" sz="1000" dirty="0"/>
                     </a:p>
@@ -12767,11 +13657,7 @@
                     <a:p>
                       <a:r>
                         <a:rPr lang="en-US" sz="1000" dirty="0" smtClean="0"/>
-                        <a:t>2</a:t>
-                      </a:r>
-                      <a:r>
-                        <a:rPr lang="en-US" sz="1000" dirty="0" smtClean="0"/>
-                        <a:t> </a:t>
+                        <a:t>2 </a:t>
                       </a:r>
                       <a:r>
                         <a:rPr lang="en-US" sz="1000" dirty="0" err="1" smtClean="0"/>
@@ -12797,11 +13683,7 @@
                       </a:r>
                       <a:r>
                         <a:rPr lang="en-US" sz="1000" baseline="0" dirty="0" smtClean="0"/>
-                        <a:t>-tag </a:t>
-                      </a:r>
-                      <a:r>
-                        <a:rPr lang="en-US" sz="1000" baseline="0" dirty="0" smtClean="0"/>
-                        <a:t>MV1 &gt; 0.971966</a:t>
+                        <a:t>-tag MV1 &gt; 0.971966</a:t>
                       </a:r>
                       <a:endParaRPr lang="en-US" sz="1000" dirty="0"/>
                     </a:p>
@@ -12827,9 +13709,55 @@
           </a:graphicData>
         </a:graphic>
       </p:graphicFrame>
+      <p:sp>
+        <p:nvSpPr>
+          <p:cNvPr id="5" name="TextBox 4"/>
+          <p:cNvSpPr txBox="1"/>
+          <p:nvPr/>
+        </p:nvSpPr>
+        <p:spPr>
+          <a:xfrm>
+            <a:off x="2209800" y="76200"/>
+            <a:ext cx="1934168" cy="369332"/>
+          </a:xfrm>
+          <a:prstGeom prst="rect">
+            <a:avLst/>
+          </a:prstGeom>
+          <a:noFill/>
+        </p:spPr>
+        <p:txBody>
+          <a:bodyPr wrap="none" rtlCol="0">
+            <a:spAutoFit/>
+          </a:bodyPr>
+          <a:lstStyle/>
+          <a:p>
+            <a:r>
+              <a:rPr lang="en-US" dirty="0" err="1" smtClean="0"/>
+              <a:t>eta</a:t>
+            </a:r>
+            <a:r>
+              <a:rPr lang="en-US" dirty="0" err="1" smtClean="0"/>
+              <a:t>(lead</a:t>
+            </a:r>
+            <a:r>
+              <a:rPr lang="en-US" dirty="0" smtClean="0"/>
+              <a:t> </a:t>
+            </a:r>
+            <a:r>
+              <a:rPr lang="en-US" dirty="0" err="1" smtClean="0"/>
+              <a:t>fatjet</a:t>
+            </a:r>
+            <a:r>
+              <a:rPr lang="en-US" dirty="0" smtClean="0"/>
+              <a:t>) n-1</a:t>
+            </a:r>
+            <a:endParaRPr lang="en-US" dirty="0"/>
+          </a:p>
+        </p:txBody>
+      </p:sp>
       <p:pic>
         <p:nvPicPr>
-          <p:cNvPr id="6" name="Picture 5" descr="all_samples_eta(lead fatjet) n-1.eps"/>
+          <p:cNvPr id="9" name="Picture 8" descr="all_samples_eta(lead fatjet) n-1.eps"/>
           <p:cNvPicPr>
             <a:picLocks noChangeAspect="1"/>
           </p:cNvPicPr>
@@ -12855,8 +13783,44 @@
         </mc:AlternateContent>
         <p:spPr>
           <a:xfrm>
-            <a:off x="304800" y="381000"/>
-            <a:ext cx="5400675" cy="3943350"/>
+            <a:off x="838200" y="3657600"/>
+            <a:ext cx="4320540" cy="3154680"/>
+          </a:xfrm>
+          <a:prstGeom prst="rect">
+            <a:avLst/>
+          </a:prstGeom>
+        </p:spPr>
+      </p:pic>
+      <p:pic>
+        <p:nvPicPr>
+          <p:cNvPr id="10" name="Picture 9" descr="all_samples_eta(lead fatjet) n-1.eps"/>
+          <p:cNvPicPr>
+            <a:picLocks noChangeAspect="1"/>
+          </p:cNvPicPr>
+          <p:nvPr/>
+        </p:nvPicPr>
+        <mc:AlternateContent>
+          <mc:Choice xmlns:ma="http://schemas.microsoft.com/office/mac/drawingml/2008/main" Requires="ma">
+            <p:blipFill>
+              <a:blip r:embed="rId4"/>
+              <a:stretch>
+                <a:fillRect/>
+              </a:stretch>
+            </p:blipFill>
+          </mc:Choice>
+          <mc:Fallback>
+            <p:blipFill>
+              <a:blip r:embed="rId5"/>
+              <a:stretch>
+                <a:fillRect/>
+              </a:stretch>
+            </p:blipFill>
+          </mc:Fallback>
+        </mc:AlternateContent>
+        <p:spPr>
+          <a:xfrm>
+            <a:off x="838200" y="533400"/>
+            <a:ext cx="4320540" cy="3154680"/>
           </a:xfrm>
           <a:prstGeom prst="rect">
             <a:avLst/>
@@ -12865,31 +13829,36 @@
       </p:pic>
       <p:sp>
         <p:nvSpPr>
-          <p:cNvPr id="8" name="TextBox 7"/>
+          <p:cNvPr id="11" name="TextBox 10"/>
           <p:cNvSpPr txBox="1"/>
           <p:nvPr/>
         </p:nvSpPr>
         <p:spPr>
           <a:xfrm>
-            <a:off x="1600200" y="5334000"/>
-            <a:ext cx="1575183" cy="369332"/>
+            <a:off x="76200" y="4343400"/>
+            <a:ext cx="932628" cy="461665"/>
           </a:xfrm>
           <a:prstGeom prst="rect">
             <a:avLst/>
           </a:prstGeom>
           <a:noFill/>
+          <a:ln>
+            <a:solidFill>
+              <a:srgbClr val="FF0000"/>
+            </a:solidFill>
+          </a:ln>
         </p:spPr>
         <p:txBody>
-          <a:bodyPr wrap="none" rtlCol="0">
+          <a:bodyPr wrap="square" rtlCol="0">
             <a:spAutoFit/>
           </a:bodyPr>
           <a:lstStyle/>
           <a:p>
             <a:r>
-              <a:rPr lang="en-US" dirty="0" smtClean="0"/>
-              <a:t>Same as above</a:t>
+              <a:rPr lang="en-US" sz="1200" dirty="0" smtClean="0"/>
+              <a:t>Single top removed</a:t>
             </a:r>
-            <a:endParaRPr lang="en-US" dirty="0"/>
+            <a:endParaRPr lang="en-US" sz="1200" dirty="0"/>
           </a:p>
         </p:txBody>
       </p:sp>
@@ -13192,11 +14161,7 @@
                     <a:p>
                       <a:r>
                         <a:rPr lang="en-US" sz="1000" dirty="0" smtClean="0"/>
-                        <a:t>&lt;= 1 </a:t>
-                      </a:r>
-                      <a:r>
-                        <a:rPr lang="en-US" sz="1000" dirty="0" smtClean="0"/>
-                        <a:t>antikt4 jet with:</a:t>
+                        <a:t>&lt;= 1 antikt4 jet with:</a:t>
                       </a:r>
                     </a:p>
                     <a:p>
@@ -13457,11 +14422,7 @@
                       </a:r>
                       <a:r>
                         <a:rPr lang="en-US" sz="1000" dirty="0" smtClean="0"/>
-                        <a:t> </a:t>
-                      </a:r>
-                      <a:r>
-                        <a:rPr lang="en-US" sz="1000" dirty="0" smtClean="0"/>
-                        <a:t>jets:</a:t>
+                        <a:t> jets:</a:t>
                       </a:r>
                     </a:p>
                     <a:p>
@@ -13471,15 +14432,7 @@
                       </a:r>
                       <a:r>
                         <a:rPr lang="en-US" sz="1000" baseline="0" dirty="0" smtClean="0"/>
-                        <a:t> </a:t>
-                      </a:r>
-                      <a:r>
-                        <a:rPr lang="en-US" sz="1000" baseline="0" dirty="0" smtClean="0"/>
-                        <a:t>&gt; </a:t>
-                      </a:r>
-                      <a:r>
-                        <a:rPr lang="en-US" sz="1000" baseline="0" dirty="0" smtClean="0"/>
-                        <a:t>20</a:t>
+                        <a:t> &gt; 20</a:t>
                       </a:r>
                     </a:p>
                     <a:p>
@@ -13489,15 +14442,7 @@
                       </a:r>
                       <a:r>
                         <a:rPr lang="en-US" sz="1000" baseline="0" dirty="0" smtClean="0"/>
-                        <a:t> </a:t>
-                      </a:r>
-                      <a:r>
-                        <a:rPr lang="en-US" sz="1000" baseline="0" dirty="0" smtClean="0"/>
-                        <a:t>&lt; </a:t>
-                      </a:r>
-                      <a:r>
-                        <a:rPr lang="en-US" sz="1000" baseline="0" dirty="0" smtClean="0"/>
-                        <a:t>2.5</a:t>
+                        <a:t> &lt; 2.5</a:t>
                       </a:r>
                     </a:p>
                     <a:p>
@@ -13511,11 +14456,7 @@
                       </a:r>
                       <a:r>
                         <a:rPr lang="en-US" sz="1000" baseline="0" dirty="0" smtClean="0"/>
-                        <a:t> &lt; </a:t>
-                      </a:r>
-                      <a:r>
-                        <a:rPr lang="en-US" sz="1000" baseline="0" dirty="0" smtClean="0"/>
-                        <a:t>1.0</a:t>
+                        <a:t> &lt; 1.0</a:t>
                       </a:r>
                       <a:endParaRPr lang="en-US" sz="1000" dirty="0"/>
                     </a:p>
@@ -13545,11 +14486,7 @@
                     <a:p>
                       <a:r>
                         <a:rPr lang="en-US" sz="1000" dirty="0" smtClean="0"/>
-                        <a:t>2</a:t>
-                      </a:r>
-                      <a:r>
-                        <a:rPr lang="en-US" sz="1000" dirty="0" smtClean="0"/>
-                        <a:t> </a:t>
+                        <a:t>2 </a:t>
                       </a:r>
                       <a:r>
                         <a:rPr lang="en-US" sz="1000" dirty="0" err="1" smtClean="0"/>
@@ -13575,11 +14512,7 @@
                       </a:r>
                       <a:r>
                         <a:rPr lang="en-US" sz="1000" baseline="0" dirty="0" smtClean="0"/>
-                        <a:t>-tag </a:t>
-                      </a:r>
-                      <a:r>
-                        <a:rPr lang="en-US" sz="1000" baseline="0" dirty="0" smtClean="0"/>
-                        <a:t>MV1 &gt; 0.971966</a:t>
+                        <a:t>-tag MV1 &gt; 0.971966</a:t>
                       </a:r>
                       <a:endParaRPr lang="en-US" sz="1000" dirty="0"/>
                     </a:p>
@@ -13605,9 +14538,59 @@
           </a:graphicData>
         </a:graphic>
       </p:graphicFrame>
+      <p:sp>
+        <p:nvSpPr>
+          <p:cNvPr id="4" name="TextBox 3"/>
+          <p:cNvSpPr txBox="1"/>
+          <p:nvPr/>
+        </p:nvSpPr>
+        <p:spPr>
+          <a:xfrm>
+            <a:off x="2209800" y="76200"/>
+            <a:ext cx="1531789" cy="369332"/>
+          </a:xfrm>
+          <a:prstGeom prst="rect">
+            <a:avLst/>
+          </a:prstGeom>
+          <a:noFill/>
+        </p:spPr>
+        <p:txBody>
+          <a:bodyPr wrap="none" rtlCol="0">
+            <a:spAutoFit/>
+          </a:bodyPr>
+          <a:lstStyle/>
+          <a:p>
+            <a:r>
+              <a:rPr lang="en-US" dirty="0" err="1" smtClean="0"/>
+              <a:t>f</a:t>
+            </a:r>
+            <a:r>
+              <a:rPr lang="en-US" dirty="0" err="1" smtClean="0"/>
+              <a:t>atjet</a:t>
+            </a:r>
+            <a:r>
+              <a:rPr lang="en-US" dirty="0" smtClean="0"/>
+              <a:t> </a:t>
+            </a:r>
+            <a:r>
+              <a:rPr lang="en-US" dirty="0" err="1" smtClean="0"/>
+              <a:t>mult</a:t>
+            </a:r>
+            <a:r>
+              <a:rPr lang="en-US" dirty="0" smtClean="0"/>
+              <a:t> </a:t>
+            </a:r>
+            <a:r>
+              <a:rPr lang="en-US" dirty="0" smtClean="0"/>
+              <a:t>n-1</a:t>
+            </a:r>
+            <a:endParaRPr lang="en-US" dirty="0"/>
+          </a:p>
+        </p:txBody>
+      </p:sp>
       <p:pic>
         <p:nvPicPr>
-          <p:cNvPr id="6" name="Picture 5" descr="all_samples_fatjet mult n-1.eps"/>
+          <p:cNvPr id="5" name="Picture 4" descr="all_samples_fatjet mult n-1.eps"/>
           <p:cNvPicPr>
             <a:picLocks noChangeAspect="1"/>
           </p:cNvPicPr>
@@ -13633,14 +14616,85 @@
         </mc:AlternateContent>
         <p:spPr>
           <a:xfrm>
-            <a:off x="0" y="1295400"/>
-            <a:ext cx="5400675" cy="3943350"/>
+            <a:off x="609600" y="609600"/>
+            <a:ext cx="4320540" cy="3154680"/>
           </a:xfrm>
           <a:prstGeom prst="rect">
             <a:avLst/>
           </a:prstGeom>
         </p:spPr>
       </p:pic>
+      <p:pic>
+        <p:nvPicPr>
+          <p:cNvPr id="8" name="Picture 7" descr="all_samples_fatjet mult n-1.eps"/>
+          <p:cNvPicPr>
+            <a:picLocks noChangeAspect="1"/>
+          </p:cNvPicPr>
+          <p:nvPr/>
+        </p:nvPicPr>
+        <mc:AlternateContent>
+          <mc:Choice xmlns:ma="http://schemas.microsoft.com/office/mac/drawingml/2008/main" Requires="ma">
+            <p:blipFill>
+              <a:blip r:embed="rId4"/>
+              <a:stretch>
+                <a:fillRect/>
+              </a:stretch>
+            </p:blipFill>
+          </mc:Choice>
+          <mc:Fallback>
+            <p:blipFill>
+              <a:blip r:embed="rId5"/>
+              <a:stretch>
+                <a:fillRect/>
+              </a:stretch>
+            </p:blipFill>
+          </mc:Fallback>
+        </mc:AlternateContent>
+        <p:spPr>
+          <a:xfrm>
+            <a:off x="609600" y="3495040"/>
+            <a:ext cx="4320540" cy="3154680"/>
+          </a:xfrm>
+          <a:prstGeom prst="rect">
+            <a:avLst/>
+          </a:prstGeom>
+        </p:spPr>
+      </p:pic>
+      <p:sp>
+        <p:nvSpPr>
+          <p:cNvPr id="9" name="TextBox 8"/>
+          <p:cNvSpPr txBox="1"/>
+          <p:nvPr/>
+        </p:nvSpPr>
+        <p:spPr>
+          <a:xfrm>
+            <a:off x="76200" y="4343400"/>
+            <a:ext cx="932628" cy="461665"/>
+          </a:xfrm>
+          <a:prstGeom prst="rect">
+            <a:avLst/>
+          </a:prstGeom>
+          <a:noFill/>
+          <a:ln>
+            <a:solidFill>
+              <a:srgbClr val="FF0000"/>
+            </a:solidFill>
+          </a:ln>
+        </p:spPr>
+        <p:txBody>
+          <a:bodyPr wrap="square" rtlCol="0">
+            <a:spAutoFit/>
+          </a:bodyPr>
+          <a:lstStyle/>
+          <a:p>
+            <a:r>
+              <a:rPr lang="en-US" sz="1200" dirty="0" smtClean="0"/>
+              <a:t>Single top removed</a:t>
+            </a:r>
+            <a:endParaRPr lang="en-US" sz="1200" dirty="0"/>
+          </a:p>
+        </p:txBody>
+      </p:sp>
     </p:spTree>
   </p:cSld>
   <p:clrMapOvr>
@@ -13924,11 +14978,7 @@
                     <a:p>
                       <a:r>
                         <a:rPr lang="en-US" sz="1000" dirty="0" smtClean="0"/>
-                        <a:t>&lt;= 1 </a:t>
-                      </a:r>
-                      <a:r>
-                        <a:rPr lang="en-US" sz="1000" dirty="0" smtClean="0"/>
-                        <a:t>antikt4 jet with:</a:t>
+                        <a:t>&lt;= 1 antikt4 jet with:</a:t>
                       </a:r>
                     </a:p>
                     <a:p>
@@ -14189,11 +15239,7 @@
                       </a:r>
                       <a:r>
                         <a:rPr lang="en-US" sz="1000" dirty="0" smtClean="0"/>
-                        <a:t> </a:t>
-                      </a:r>
-                      <a:r>
-                        <a:rPr lang="en-US" sz="1000" dirty="0" smtClean="0"/>
-                        <a:t>jets:</a:t>
+                        <a:t> jets:</a:t>
                       </a:r>
                     </a:p>
                     <a:p>
@@ -14203,15 +15249,7 @@
                       </a:r>
                       <a:r>
                         <a:rPr lang="en-US" sz="1000" baseline="0" dirty="0" smtClean="0"/>
-                        <a:t> </a:t>
-                      </a:r>
-                      <a:r>
-                        <a:rPr lang="en-US" sz="1000" baseline="0" dirty="0" smtClean="0"/>
-                        <a:t>&gt; </a:t>
-                      </a:r>
-                      <a:r>
-                        <a:rPr lang="en-US" sz="1000" baseline="0" dirty="0" smtClean="0"/>
-                        <a:t>20</a:t>
+                        <a:t> &gt; 20</a:t>
                       </a:r>
                     </a:p>
                     <a:p>
@@ -14221,15 +15259,7 @@
                       </a:r>
                       <a:r>
                         <a:rPr lang="en-US" sz="1000" baseline="0" dirty="0" smtClean="0"/>
-                        <a:t> </a:t>
-                      </a:r>
-                      <a:r>
-                        <a:rPr lang="en-US" sz="1000" baseline="0" dirty="0" smtClean="0"/>
-                        <a:t>&lt; </a:t>
-                      </a:r>
-                      <a:r>
-                        <a:rPr lang="en-US" sz="1000" baseline="0" dirty="0" smtClean="0"/>
-                        <a:t>2.5</a:t>
+                        <a:t> &lt; 2.5</a:t>
                       </a:r>
                     </a:p>
                     <a:p>
@@ -14243,11 +15273,7 @@
                       </a:r>
                       <a:r>
                         <a:rPr lang="en-US" sz="1000" baseline="0" dirty="0" smtClean="0"/>
-                        <a:t> &lt; </a:t>
-                      </a:r>
-                      <a:r>
-                        <a:rPr lang="en-US" sz="1000" baseline="0" dirty="0" smtClean="0"/>
-                        <a:t>1.0</a:t>
+                        <a:t> &lt; 1.0</a:t>
                       </a:r>
                       <a:endParaRPr lang="en-US" sz="1000" dirty="0"/>
                     </a:p>
@@ -14277,11 +15303,7 @@
                     <a:p>
                       <a:r>
                         <a:rPr lang="en-US" sz="1000" dirty="0" smtClean="0"/>
-                        <a:t>2</a:t>
-                      </a:r>
-                      <a:r>
-                        <a:rPr lang="en-US" sz="1000" dirty="0" smtClean="0"/>
-                        <a:t> </a:t>
+                        <a:t>2 </a:t>
                       </a:r>
                       <a:r>
                         <a:rPr lang="en-US" sz="1000" dirty="0" err="1" smtClean="0"/>
@@ -14307,11 +15329,7 @@
                       </a:r>
                       <a:r>
                         <a:rPr lang="en-US" sz="1000" baseline="0" dirty="0" smtClean="0"/>
-                        <a:t>-tag </a:t>
-                      </a:r>
-                      <a:r>
-                        <a:rPr lang="en-US" sz="1000" baseline="0" dirty="0" smtClean="0"/>
-                        <a:t>MV1 &gt; 0.971966</a:t>
+                        <a:t>-tag MV1 &gt; 0.971966</a:t>
                       </a:r>
                       <a:endParaRPr lang="en-US" sz="1000" dirty="0"/>
                     </a:p>
@@ -14337,9 +15355,55 @@
           </a:graphicData>
         </a:graphic>
       </p:graphicFrame>
+      <p:sp>
+        <p:nvSpPr>
+          <p:cNvPr id="4" name="TextBox 3"/>
+          <p:cNvSpPr txBox="1"/>
+          <p:nvPr/>
+        </p:nvSpPr>
+        <p:spPr>
+          <a:xfrm>
+            <a:off x="2209800" y="76200"/>
+            <a:ext cx="1201771" cy="369332"/>
+          </a:xfrm>
+          <a:prstGeom prst="rect">
+            <a:avLst/>
+          </a:prstGeom>
+          <a:noFill/>
+        </p:spPr>
+        <p:txBody>
+          <a:bodyPr wrap="none" rtlCol="0">
+            <a:spAutoFit/>
+          </a:bodyPr>
+          <a:lstStyle/>
+          <a:p>
+            <a:r>
+              <a:rPr lang="en-US" dirty="0" smtClean="0"/>
+              <a:t>e</a:t>
+            </a:r>
+            <a:r>
+              <a:rPr lang="en-US" dirty="0" smtClean="0"/>
+              <a:t>l </a:t>
+            </a:r>
+            <a:r>
+              <a:rPr lang="en-US" dirty="0" err="1" smtClean="0"/>
+              <a:t>mult</a:t>
+            </a:r>
+            <a:r>
+              <a:rPr lang="en-US" dirty="0" smtClean="0"/>
+              <a:t> </a:t>
+            </a:r>
+            <a:r>
+              <a:rPr lang="en-US" dirty="0" smtClean="0"/>
+              <a:t>n-1</a:t>
+            </a:r>
+            <a:endParaRPr lang="en-US" dirty="0"/>
+          </a:p>
+        </p:txBody>
+      </p:sp>
       <p:pic>
         <p:nvPicPr>
-          <p:cNvPr id="6" name="Picture 5" descr="all_samples_el mult n-1.eps"/>
+          <p:cNvPr id="5" name="Picture 4" descr="all_samples_el mult n-1.eps"/>
           <p:cNvPicPr>
             <a:picLocks noChangeAspect="1"/>
           </p:cNvPicPr>
@@ -14365,14 +15429,85 @@
         </mc:AlternateContent>
         <p:spPr>
           <a:xfrm>
-            <a:off x="152400" y="1600200"/>
-            <a:ext cx="5400675" cy="3943350"/>
+            <a:off x="533400" y="445532"/>
+            <a:ext cx="4320540" cy="3154680"/>
           </a:xfrm>
           <a:prstGeom prst="rect">
             <a:avLst/>
           </a:prstGeom>
         </p:spPr>
       </p:pic>
+      <p:pic>
+        <p:nvPicPr>
+          <p:cNvPr id="8" name="Picture 7" descr="all_samples_el mult n-1.eps"/>
+          <p:cNvPicPr>
+            <a:picLocks noChangeAspect="1"/>
+          </p:cNvPicPr>
+          <p:nvPr/>
+        </p:nvPicPr>
+        <mc:AlternateContent>
+          <mc:Choice xmlns:ma="http://schemas.microsoft.com/office/mac/drawingml/2008/main" Requires="ma">
+            <p:blipFill>
+              <a:blip r:embed="rId4"/>
+              <a:stretch>
+                <a:fillRect/>
+              </a:stretch>
+            </p:blipFill>
+          </mc:Choice>
+          <mc:Fallback>
+            <p:blipFill>
+              <a:blip r:embed="rId5"/>
+              <a:stretch>
+                <a:fillRect/>
+              </a:stretch>
+            </p:blipFill>
+          </mc:Fallback>
+        </mc:AlternateContent>
+        <p:spPr>
+          <a:xfrm>
+            <a:off x="533400" y="3505200"/>
+            <a:ext cx="4320540" cy="3154680"/>
+          </a:xfrm>
+          <a:prstGeom prst="rect">
+            <a:avLst/>
+          </a:prstGeom>
+        </p:spPr>
+      </p:pic>
+      <p:sp>
+        <p:nvSpPr>
+          <p:cNvPr id="9" name="TextBox 8"/>
+          <p:cNvSpPr txBox="1"/>
+          <p:nvPr/>
+        </p:nvSpPr>
+        <p:spPr>
+          <a:xfrm>
+            <a:off x="76200" y="4343400"/>
+            <a:ext cx="932628" cy="461665"/>
+          </a:xfrm>
+          <a:prstGeom prst="rect">
+            <a:avLst/>
+          </a:prstGeom>
+          <a:noFill/>
+          <a:ln>
+            <a:solidFill>
+              <a:srgbClr val="FF0000"/>
+            </a:solidFill>
+          </a:ln>
+        </p:spPr>
+        <p:txBody>
+          <a:bodyPr wrap="square" rtlCol="0">
+            <a:spAutoFit/>
+          </a:bodyPr>
+          <a:lstStyle/>
+          <a:p>
+            <a:r>
+              <a:rPr lang="en-US" sz="1200" dirty="0" smtClean="0"/>
+              <a:t>Single top removed</a:t>
+            </a:r>
+            <a:endParaRPr lang="en-US" sz="1200" dirty="0"/>
+          </a:p>
+        </p:txBody>
+      </p:sp>
     </p:spTree>
   </p:cSld>
   <p:clrMapOvr>
@@ -14656,11 +15791,7 @@
                     <a:p>
                       <a:r>
                         <a:rPr lang="en-US" sz="1000" dirty="0" smtClean="0"/>
-                        <a:t>&lt;= 1 </a:t>
-                      </a:r>
-                      <a:r>
-                        <a:rPr lang="en-US" sz="1000" dirty="0" smtClean="0"/>
-                        <a:t>antikt4 jet with:</a:t>
+                        <a:t>&lt;= 1 antikt4 jet with:</a:t>
                       </a:r>
                     </a:p>
                     <a:p>
@@ -14921,11 +16052,7 @@
                       </a:r>
                       <a:r>
                         <a:rPr lang="en-US" sz="1000" dirty="0" smtClean="0"/>
-                        <a:t> </a:t>
-                      </a:r>
-                      <a:r>
-                        <a:rPr lang="en-US" sz="1000" dirty="0" smtClean="0"/>
-                        <a:t>jets:</a:t>
+                        <a:t> jets:</a:t>
                       </a:r>
                     </a:p>
                     <a:p>
@@ -14935,15 +16062,7 @@
                       </a:r>
                       <a:r>
                         <a:rPr lang="en-US" sz="1000" baseline="0" dirty="0" smtClean="0"/>
-                        <a:t> </a:t>
-                      </a:r>
-                      <a:r>
-                        <a:rPr lang="en-US" sz="1000" baseline="0" dirty="0" smtClean="0"/>
-                        <a:t>&gt; </a:t>
-                      </a:r>
-                      <a:r>
-                        <a:rPr lang="en-US" sz="1000" baseline="0" dirty="0" smtClean="0"/>
-                        <a:t>20</a:t>
+                        <a:t> &gt; 20</a:t>
                       </a:r>
                     </a:p>
                     <a:p>
@@ -14953,15 +16072,7 @@
                       </a:r>
                       <a:r>
                         <a:rPr lang="en-US" sz="1000" baseline="0" dirty="0" smtClean="0"/>
-                        <a:t> </a:t>
-                      </a:r>
-                      <a:r>
-                        <a:rPr lang="en-US" sz="1000" baseline="0" dirty="0" smtClean="0"/>
-                        <a:t>&lt; </a:t>
-                      </a:r>
-                      <a:r>
-                        <a:rPr lang="en-US" sz="1000" baseline="0" dirty="0" smtClean="0"/>
-                        <a:t>2.5</a:t>
+                        <a:t> &lt; 2.5</a:t>
                       </a:r>
                     </a:p>
                     <a:p>
@@ -14975,11 +16086,7 @@
                       </a:r>
                       <a:r>
                         <a:rPr lang="en-US" sz="1000" baseline="0" dirty="0" smtClean="0"/>
-                        <a:t> &lt; </a:t>
-                      </a:r>
-                      <a:r>
-                        <a:rPr lang="en-US" sz="1000" baseline="0" dirty="0" smtClean="0"/>
-                        <a:t>1.0</a:t>
+                        <a:t> &lt; 1.0</a:t>
                       </a:r>
                       <a:endParaRPr lang="en-US" sz="1000" dirty="0"/>
                     </a:p>
@@ -15009,11 +16116,7 @@
                     <a:p>
                       <a:r>
                         <a:rPr lang="en-US" sz="1000" dirty="0" smtClean="0"/>
-                        <a:t>2</a:t>
-                      </a:r>
-                      <a:r>
-                        <a:rPr lang="en-US" sz="1000" dirty="0" smtClean="0"/>
-                        <a:t> </a:t>
+                        <a:t>2 </a:t>
                       </a:r>
                       <a:r>
                         <a:rPr lang="en-US" sz="1000" dirty="0" err="1" smtClean="0"/>
@@ -15039,11 +16142,7 @@
                       </a:r>
                       <a:r>
                         <a:rPr lang="en-US" sz="1000" baseline="0" dirty="0" smtClean="0"/>
-                        <a:t>-tag </a:t>
-                      </a:r>
-                      <a:r>
-                        <a:rPr lang="en-US" sz="1000" baseline="0" dirty="0" smtClean="0"/>
-                        <a:t>MV1 &gt; 0.971966</a:t>
+                        <a:t>-tag MV1 &gt; 0.971966</a:t>
                       </a:r>
                       <a:endParaRPr lang="en-US" sz="1000" dirty="0"/>
                     </a:p>
@@ -15069,9 +16168,55 @@
           </a:graphicData>
         </a:graphic>
       </p:graphicFrame>
+      <p:sp>
+        <p:nvSpPr>
+          <p:cNvPr id="4" name="TextBox 3"/>
+          <p:cNvSpPr txBox="1"/>
+          <p:nvPr/>
+        </p:nvSpPr>
+        <p:spPr>
+          <a:xfrm>
+            <a:off x="2209800" y="76200"/>
+            <a:ext cx="1339617" cy="369332"/>
+          </a:xfrm>
+          <a:prstGeom prst="rect">
+            <a:avLst/>
+          </a:prstGeom>
+          <a:noFill/>
+        </p:spPr>
+        <p:txBody>
+          <a:bodyPr wrap="none" rtlCol="0">
+            <a:spAutoFit/>
+          </a:bodyPr>
+          <a:lstStyle/>
+          <a:p>
+            <a:r>
+              <a:rPr lang="en-US" dirty="0" err="1" smtClean="0"/>
+              <a:t>mu</a:t>
+            </a:r>
+            <a:r>
+              <a:rPr lang="en-US" dirty="0" smtClean="0"/>
+              <a:t> </a:t>
+            </a:r>
+            <a:r>
+              <a:rPr lang="en-US" dirty="0" err="1" smtClean="0"/>
+              <a:t>mult</a:t>
+            </a:r>
+            <a:r>
+              <a:rPr lang="en-US" dirty="0" smtClean="0"/>
+              <a:t> </a:t>
+            </a:r>
+            <a:r>
+              <a:rPr lang="en-US" dirty="0" smtClean="0"/>
+              <a:t>n-1</a:t>
+            </a:r>
+            <a:endParaRPr lang="en-US" dirty="0"/>
+          </a:p>
+        </p:txBody>
+      </p:sp>
       <p:pic>
         <p:nvPicPr>
-          <p:cNvPr id="6" name="Picture 5" descr="all_samples_mu mult n-1.eps"/>
+          <p:cNvPr id="5" name="Picture 4" descr="all_samples_mu mult n-1.eps"/>
           <p:cNvPicPr>
             <a:picLocks noChangeAspect="1"/>
           </p:cNvPicPr>
@@ -15097,14 +16242,85 @@
         </mc:AlternateContent>
         <p:spPr>
           <a:xfrm>
-            <a:off x="161925" y="1447800"/>
-            <a:ext cx="5400675" cy="3943350"/>
+            <a:off x="533400" y="445532"/>
+            <a:ext cx="4320540" cy="3154680"/>
           </a:xfrm>
           <a:prstGeom prst="rect">
             <a:avLst/>
           </a:prstGeom>
         </p:spPr>
       </p:pic>
+      <p:pic>
+        <p:nvPicPr>
+          <p:cNvPr id="8" name="Picture 7" descr="all_samples_mu mult n-1.eps"/>
+          <p:cNvPicPr>
+            <a:picLocks noChangeAspect="1"/>
+          </p:cNvPicPr>
+          <p:nvPr/>
+        </p:nvPicPr>
+        <mc:AlternateContent>
+          <mc:Choice xmlns:ma="http://schemas.microsoft.com/office/mac/drawingml/2008/main" Requires="ma">
+            <p:blipFill>
+              <a:blip r:embed="rId4"/>
+              <a:stretch>
+                <a:fillRect/>
+              </a:stretch>
+            </p:blipFill>
+          </mc:Choice>
+          <mc:Fallback>
+            <p:blipFill>
+              <a:blip r:embed="rId5"/>
+              <a:stretch>
+                <a:fillRect/>
+              </a:stretch>
+            </p:blipFill>
+          </mc:Fallback>
+        </mc:AlternateContent>
+        <p:spPr>
+          <a:xfrm>
+            <a:off x="556260" y="3474720"/>
+            <a:ext cx="4320540" cy="3154680"/>
+          </a:xfrm>
+          <a:prstGeom prst="rect">
+            <a:avLst/>
+          </a:prstGeom>
+        </p:spPr>
+      </p:pic>
+      <p:sp>
+        <p:nvSpPr>
+          <p:cNvPr id="9" name="TextBox 8"/>
+          <p:cNvSpPr txBox="1"/>
+          <p:nvPr/>
+        </p:nvSpPr>
+        <p:spPr>
+          <a:xfrm>
+            <a:off x="76200" y="4343400"/>
+            <a:ext cx="932628" cy="461665"/>
+          </a:xfrm>
+          <a:prstGeom prst="rect">
+            <a:avLst/>
+          </a:prstGeom>
+          <a:noFill/>
+          <a:ln>
+            <a:solidFill>
+              <a:srgbClr val="FF0000"/>
+            </a:solidFill>
+          </a:ln>
+        </p:spPr>
+        <p:txBody>
+          <a:bodyPr wrap="square" rtlCol="0">
+            <a:spAutoFit/>
+          </a:bodyPr>
+          <a:lstStyle/>
+          <a:p>
+            <a:r>
+              <a:rPr lang="en-US" sz="1200" dirty="0" smtClean="0"/>
+              <a:t>Single top removed</a:t>
+            </a:r>
+            <a:endParaRPr lang="en-US" sz="1200" dirty="0"/>
+          </a:p>
+        </p:txBody>
+      </p:sp>
     </p:spTree>
   </p:cSld>
   <p:clrMapOvr>
@@ -15392,11 +16608,7 @@
                     <a:p>
                       <a:r>
                         <a:rPr lang="en-US" sz="1000" dirty="0" smtClean="0"/>
-                        <a:t>&lt;= 1 </a:t>
-                      </a:r>
-                      <a:r>
-                        <a:rPr lang="en-US" sz="1000" dirty="0" smtClean="0"/>
-                        <a:t>antikt4 jet with:</a:t>
+                        <a:t>&lt;= 1 antikt4 jet with:</a:t>
                       </a:r>
                     </a:p>
                     <a:p>
@@ -15669,11 +16881,7 @@
                       </a:r>
                       <a:r>
                         <a:rPr lang="en-US" sz="1000" dirty="0" smtClean="0"/>
-                        <a:t> </a:t>
-                      </a:r>
-                      <a:r>
-                        <a:rPr lang="en-US" sz="1000" dirty="0" smtClean="0"/>
-                        <a:t>jets:</a:t>
+                        <a:t> jets:</a:t>
                       </a:r>
                     </a:p>
                     <a:p>
@@ -15683,15 +16891,7 @@
                       </a:r>
                       <a:r>
                         <a:rPr lang="en-US" sz="1000" baseline="0" dirty="0" smtClean="0"/>
-                        <a:t> </a:t>
-                      </a:r>
-                      <a:r>
-                        <a:rPr lang="en-US" sz="1000" baseline="0" dirty="0" smtClean="0"/>
-                        <a:t>&gt; </a:t>
-                      </a:r>
-                      <a:r>
-                        <a:rPr lang="en-US" sz="1000" baseline="0" dirty="0" smtClean="0"/>
-                        <a:t>20</a:t>
+                        <a:t> &gt; 20</a:t>
                       </a:r>
                     </a:p>
                     <a:p>
@@ -15701,15 +16901,7 @@
                       </a:r>
                       <a:r>
                         <a:rPr lang="en-US" sz="1000" baseline="0" dirty="0" smtClean="0"/>
-                        <a:t> </a:t>
-                      </a:r>
-                      <a:r>
-                        <a:rPr lang="en-US" sz="1000" baseline="0" dirty="0" smtClean="0"/>
-                        <a:t>&lt; </a:t>
-                      </a:r>
-                      <a:r>
-                        <a:rPr lang="en-US" sz="1000" baseline="0" dirty="0" smtClean="0"/>
-                        <a:t>2.5</a:t>
+                        <a:t> &lt; 2.5</a:t>
                       </a:r>
                     </a:p>
                     <a:p>
@@ -15723,11 +16915,7 @@
                       </a:r>
                       <a:r>
                         <a:rPr lang="en-US" sz="1000" baseline="0" dirty="0" smtClean="0"/>
-                        <a:t> &lt; </a:t>
-                      </a:r>
-                      <a:r>
-                        <a:rPr lang="en-US" sz="1000" baseline="0" dirty="0" smtClean="0"/>
-                        <a:t>1.0</a:t>
+                        <a:t> &lt; 1.0</a:t>
                       </a:r>
                       <a:endParaRPr lang="en-US" sz="1000" dirty="0"/>
                     </a:p>
@@ -15757,11 +16945,7 @@
                     <a:p>
                       <a:r>
                         <a:rPr lang="en-US" sz="1000" dirty="0" smtClean="0"/>
-                        <a:t>2</a:t>
-                      </a:r>
-                      <a:r>
-                        <a:rPr lang="en-US" sz="1000" dirty="0" smtClean="0"/>
-                        <a:t> </a:t>
+                        <a:t>2 </a:t>
                       </a:r>
                       <a:r>
                         <a:rPr lang="en-US" sz="1000" dirty="0" err="1" smtClean="0"/>
@@ -15787,11 +16971,7 @@
                       </a:r>
                       <a:r>
                         <a:rPr lang="en-US" sz="1000" baseline="0" dirty="0" smtClean="0"/>
-                        <a:t>-tag </a:t>
-                      </a:r>
-                      <a:r>
-                        <a:rPr lang="en-US" sz="1000" baseline="0" dirty="0" smtClean="0"/>
-                        <a:t>MV1 &gt; 0.971966</a:t>
+                        <a:t>-tag MV1 &gt; 0.971966</a:t>
                       </a:r>
                       <a:endParaRPr lang="en-US" sz="1000" dirty="0"/>
                     </a:p>
@@ -15817,9 +16997,47 @@
           </a:graphicData>
         </a:graphic>
       </p:graphicFrame>
+      <p:sp>
+        <p:nvSpPr>
+          <p:cNvPr id="4" name="TextBox 3"/>
+          <p:cNvSpPr txBox="1"/>
+          <p:nvPr/>
+        </p:nvSpPr>
+        <p:spPr>
+          <a:xfrm>
+            <a:off x="2209800" y="76200"/>
+            <a:ext cx="1813567" cy="369332"/>
+          </a:xfrm>
+          <a:prstGeom prst="rect">
+            <a:avLst/>
+          </a:prstGeom>
+          <a:noFill/>
+        </p:spPr>
+        <p:txBody>
+          <a:bodyPr wrap="none" rtlCol="0">
+            <a:spAutoFit/>
+          </a:bodyPr>
+          <a:lstStyle/>
+          <a:p>
+            <a:r>
+              <a:rPr lang="en-US" dirty="0" err="1" smtClean="0"/>
+              <a:t>pt(antikt</a:t>
+            </a:r>
+            <a:r>
+              <a:rPr lang="en-US" dirty="0" smtClean="0"/>
+              <a:t> jets) </a:t>
+            </a:r>
+            <a:r>
+              <a:rPr lang="en-US" dirty="0" smtClean="0"/>
+              <a:t>n-1</a:t>
+            </a:r>
+            <a:endParaRPr lang="en-US" dirty="0"/>
+          </a:p>
+        </p:txBody>
+      </p:sp>
       <p:pic>
         <p:nvPicPr>
-          <p:cNvPr id="6" name="Picture 5" descr="all_samples_pt(antikt jets) n-1.eps"/>
+          <p:cNvPr id="5" name="Picture 4" descr="all_samples_pt(antikt jets) n-1.eps"/>
           <p:cNvPicPr>
             <a:picLocks noChangeAspect="1"/>
           </p:cNvPicPr>
@@ -15845,14 +17063,85 @@
         </mc:AlternateContent>
         <p:spPr>
           <a:xfrm>
-            <a:off x="0" y="1600200"/>
-            <a:ext cx="5400675" cy="3943350"/>
+            <a:off x="533400" y="445532"/>
+            <a:ext cx="4320540" cy="3154680"/>
           </a:xfrm>
           <a:prstGeom prst="rect">
             <a:avLst/>
           </a:prstGeom>
         </p:spPr>
       </p:pic>
+      <p:pic>
+        <p:nvPicPr>
+          <p:cNvPr id="8" name="Picture 7" descr="all_samples_pt(antikt jets) n-1.eps"/>
+          <p:cNvPicPr>
+            <a:picLocks noChangeAspect="1"/>
+          </p:cNvPicPr>
+          <p:nvPr/>
+        </p:nvPicPr>
+        <mc:AlternateContent>
+          <mc:Choice xmlns:ma="http://schemas.microsoft.com/office/mac/drawingml/2008/main" Requires="ma">
+            <p:blipFill>
+              <a:blip r:embed="rId4"/>
+              <a:stretch>
+                <a:fillRect/>
+              </a:stretch>
+            </p:blipFill>
+          </mc:Choice>
+          <mc:Fallback>
+            <p:blipFill>
+              <a:blip r:embed="rId5"/>
+              <a:stretch>
+                <a:fillRect/>
+              </a:stretch>
+            </p:blipFill>
+          </mc:Fallback>
+        </mc:AlternateContent>
+        <p:spPr>
+          <a:xfrm>
+            <a:off x="533400" y="3505200"/>
+            <a:ext cx="4320540" cy="3154680"/>
+          </a:xfrm>
+          <a:prstGeom prst="rect">
+            <a:avLst/>
+          </a:prstGeom>
+        </p:spPr>
+      </p:pic>
+      <p:sp>
+        <p:nvSpPr>
+          <p:cNvPr id="9" name="TextBox 8"/>
+          <p:cNvSpPr txBox="1"/>
+          <p:nvPr/>
+        </p:nvSpPr>
+        <p:spPr>
+          <a:xfrm>
+            <a:off x="76200" y="4343400"/>
+            <a:ext cx="932628" cy="461665"/>
+          </a:xfrm>
+          <a:prstGeom prst="rect">
+            <a:avLst/>
+          </a:prstGeom>
+          <a:noFill/>
+          <a:ln>
+            <a:solidFill>
+              <a:srgbClr val="FF0000"/>
+            </a:solidFill>
+          </a:ln>
+        </p:spPr>
+        <p:txBody>
+          <a:bodyPr wrap="square" rtlCol="0">
+            <a:spAutoFit/>
+          </a:bodyPr>
+          <a:lstStyle/>
+          <a:p>
+            <a:r>
+              <a:rPr lang="en-US" sz="1200" dirty="0" smtClean="0"/>
+              <a:t>Single top removed</a:t>
+            </a:r>
+            <a:endParaRPr lang="en-US" sz="1200" dirty="0"/>
+          </a:p>
+        </p:txBody>
+      </p:sp>
     </p:spTree>
   </p:cSld>
   <p:clrMapOvr>
@@ -16140,11 +17429,7 @@
                     <a:p>
                       <a:r>
                         <a:rPr lang="en-US" sz="1000" dirty="0" smtClean="0"/>
-                        <a:t>&lt;= 1 </a:t>
-                      </a:r>
-                      <a:r>
-                        <a:rPr lang="en-US" sz="1000" dirty="0" smtClean="0"/>
-                        <a:t>antikt4 jet with:</a:t>
+                        <a:t>&lt;= 1 antikt4 jet with:</a:t>
                       </a:r>
                     </a:p>
                     <a:p>
@@ -16417,11 +17702,7 @@
                       </a:r>
                       <a:r>
                         <a:rPr lang="en-US" sz="1000" dirty="0" smtClean="0"/>
-                        <a:t> </a:t>
-                      </a:r>
-                      <a:r>
-                        <a:rPr lang="en-US" sz="1000" dirty="0" smtClean="0"/>
-                        <a:t>jets:</a:t>
+                        <a:t> jets:</a:t>
                       </a:r>
                     </a:p>
                     <a:p>
@@ -16431,15 +17712,7 @@
                       </a:r>
                       <a:r>
                         <a:rPr lang="en-US" sz="1000" baseline="0" dirty="0" smtClean="0"/>
-                        <a:t> </a:t>
-                      </a:r>
-                      <a:r>
-                        <a:rPr lang="en-US" sz="1000" baseline="0" dirty="0" smtClean="0"/>
-                        <a:t>&gt; </a:t>
-                      </a:r>
-                      <a:r>
-                        <a:rPr lang="en-US" sz="1000" baseline="0" dirty="0" smtClean="0"/>
-                        <a:t>20</a:t>
+                        <a:t> &gt; 20</a:t>
                       </a:r>
                     </a:p>
                     <a:p>
@@ -16449,15 +17722,7 @@
                       </a:r>
                       <a:r>
                         <a:rPr lang="en-US" sz="1000" baseline="0" dirty="0" smtClean="0"/>
-                        <a:t> </a:t>
-                      </a:r>
-                      <a:r>
-                        <a:rPr lang="en-US" sz="1000" baseline="0" dirty="0" smtClean="0"/>
-                        <a:t>&lt; </a:t>
-                      </a:r>
-                      <a:r>
-                        <a:rPr lang="en-US" sz="1000" baseline="0" dirty="0" smtClean="0"/>
-                        <a:t>2.5</a:t>
+                        <a:t> &lt; 2.5</a:t>
                       </a:r>
                     </a:p>
                     <a:p>
@@ -16471,11 +17736,7 @@
                       </a:r>
                       <a:r>
                         <a:rPr lang="en-US" sz="1000" baseline="0" dirty="0" smtClean="0"/>
-                        <a:t> &lt; </a:t>
-                      </a:r>
-                      <a:r>
-                        <a:rPr lang="en-US" sz="1000" baseline="0" dirty="0" smtClean="0"/>
-                        <a:t>1.0</a:t>
+                        <a:t> &lt; 1.0</a:t>
                       </a:r>
                       <a:endParaRPr lang="en-US" sz="1000" dirty="0"/>
                     </a:p>
@@ -16505,11 +17766,7 @@
                     <a:p>
                       <a:r>
                         <a:rPr lang="en-US" sz="1000" dirty="0" smtClean="0"/>
-                        <a:t>2</a:t>
-                      </a:r>
-                      <a:r>
-                        <a:rPr lang="en-US" sz="1000" dirty="0" smtClean="0"/>
-                        <a:t> </a:t>
+                        <a:t>2 </a:t>
                       </a:r>
                       <a:r>
                         <a:rPr lang="en-US" sz="1000" dirty="0" err="1" smtClean="0"/>
@@ -16535,11 +17792,7 @@
                       </a:r>
                       <a:r>
                         <a:rPr lang="en-US" sz="1000" baseline="0" dirty="0" smtClean="0"/>
-                        <a:t>-tag </a:t>
-                      </a:r>
-                      <a:r>
-                        <a:rPr lang="en-US" sz="1000" baseline="0" dirty="0" smtClean="0"/>
-                        <a:t>MV1 &gt; 0.971966</a:t>
+                        <a:t>-tag MV1 &gt; 0.971966</a:t>
                       </a:r>
                       <a:endParaRPr lang="en-US" sz="1000" dirty="0"/>
                     </a:p>
@@ -16565,9 +17818,47 @@
           </a:graphicData>
         </a:graphic>
       </p:graphicFrame>
+      <p:sp>
+        <p:nvSpPr>
+          <p:cNvPr id="4" name="TextBox 3"/>
+          <p:cNvSpPr txBox="1"/>
+          <p:nvPr/>
+        </p:nvSpPr>
+        <p:spPr>
+          <a:xfrm>
+            <a:off x="2209800" y="76200"/>
+            <a:ext cx="1914669" cy="369332"/>
+          </a:xfrm>
+          <a:prstGeom prst="rect">
+            <a:avLst/>
+          </a:prstGeom>
+          <a:noFill/>
+        </p:spPr>
+        <p:txBody>
+          <a:bodyPr wrap="none" rtlCol="0">
+            <a:spAutoFit/>
+          </a:bodyPr>
+          <a:lstStyle/>
+          <a:p>
+            <a:r>
+              <a:rPr lang="en-US" dirty="0" err="1" smtClean="0"/>
+              <a:t>eta(antikt</a:t>
+            </a:r>
+            <a:r>
+              <a:rPr lang="en-US" dirty="0" smtClean="0"/>
+              <a:t> jets) </a:t>
+            </a:r>
+            <a:r>
+              <a:rPr lang="en-US" dirty="0" smtClean="0"/>
+              <a:t>n-1</a:t>
+            </a:r>
+            <a:endParaRPr lang="en-US" dirty="0"/>
+          </a:p>
+        </p:txBody>
+      </p:sp>
       <p:pic>
         <p:nvPicPr>
-          <p:cNvPr id="6" name="Picture 5" descr="all_samples_eta(antikt jets) n-1.eps"/>
+          <p:cNvPr id="5" name="Picture 4" descr="all_samples_eta(antikt jets) n-1.eps"/>
           <p:cNvPicPr>
             <a:picLocks noChangeAspect="1"/>
           </p:cNvPicPr>
@@ -16593,14 +17884,85 @@
         </mc:AlternateContent>
         <p:spPr>
           <a:xfrm>
-            <a:off x="152400" y="1447800"/>
-            <a:ext cx="5400675" cy="3943350"/>
+            <a:off x="609600" y="609600"/>
+            <a:ext cx="4320540" cy="3154680"/>
           </a:xfrm>
           <a:prstGeom prst="rect">
             <a:avLst/>
           </a:prstGeom>
         </p:spPr>
       </p:pic>
+      <p:pic>
+        <p:nvPicPr>
+          <p:cNvPr id="8" name="Picture 7" descr="all_samples_eta(antikt jets) n-1.eps"/>
+          <p:cNvPicPr>
+            <a:picLocks noChangeAspect="1"/>
+          </p:cNvPicPr>
+          <p:nvPr/>
+        </p:nvPicPr>
+        <mc:AlternateContent>
+          <mc:Choice xmlns:ma="http://schemas.microsoft.com/office/mac/drawingml/2008/main" Requires="ma">
+            <p:blipFill>
+              <a:blip r:embed="rId4"/>
+              <a:stretch>
+                <a:fillRect/>
+              </a:stretch>
+            </p:blipFill>
+          </mc:Choice>
+          <mc:Fallback>
+            <p:blipFill>
+              <a:blip r:embed="rId5"/>
+              <a:stretch>
+                <a:fillRect/>
+              </a:stretch>
+            </p:blipFill>
+          </mc:Fallback>
+        </mc:AlternateContent>
+        <p:spPr>
+          <a:xfrm>
+            <a:off x="609600" y="3495040"/>
+            <a:ext cx="4320540" cy="3154680"/>
+          </a:xfrm>
+          <a:prstGeom prst="rect">
+            <a:avLst/>
+          </a:prstGeom>
+        </p:spPr>
+      </p:pic>
+      <p:sp>
+        <p:nvSpPr>
+          <p:cNvPr id="9" name="TextBox 8"/>
+          <p:cNvSpPr txBox="1"/>
+          <p:nvPr/>
+        </p:nvSpPr>
+        <p:spPr>
+          <a:xfrm>
+            <a:off x="76200" y="4343400"/>
+            <a:ext cx="932628" cy="461665"/>
+          </a:xfrm>
+          <a:prstGeom prst="rect">
+            <a:avLst/>
+          </a:prstGeom>
+          <a:noFill/>
+          <a:ln>
+            <a:solidFill>
+              <a:srgbClr val="FF0000"/>
+            </a:solidFill>
+          </a:ln>
+        </p:spPr>
+        <p:txBody>
+          <a:bodyPr wrap="square" rtlCol="0">
+            <a:spAutoFit/>
+          </a:bodyPr>
+          <a:lstStyle/>
+          <a:p>
+            <a:r>
+              <a:rPr lang="en-US" sz="1200" dirty="0" smtClean="0"/>
+              <a:t>Single top removed</a:t>
+            </a:r>
+            <a:endParaRPr lang="en-US" sz="1200" dirty="0"/>
+          </a:p>
+        </p:txBody>
+      </p:sp>
     </p:spTree>
   </p:cSld>
   <p:clrMapOvr>
@@ -16888,11 +18250,7 @@
                     <a:p>
                       <a:r>
                         <a:rPr lang="en-US" sz="1000" dirty="0" smtClean="0"/>
-                        <a:t>&lt;= 1 </a:t>
-                      </a:r>
-                      <a:r>
-                        <a:rPr lang="en-US" sz="1000" dirty="0" smtClean="0"/>
-                        <a:t>antikt4 jet with:</a:t>
+                        <a:t>&lt;= 1 antikt4 jet with:</a:t>
                       </a:r>
                     </a:p>
                     <a:p>
@@ -17165,11 +18523,7 @@
                       </a:r>
                       <a:r>
                         <a:rPr lang="en-US" sz="1000" dirty="0" smtClean="0"/>
-                        <a:t> </a:t>
-                      </a:r>
-                      <a:r>
-                        <a:rPr lang="en-US" sz="1000" dirty="0" smtClean="0"/>
-                        <a:t>jets:</a:t>
+                        <a:t> jets:</a:t>
                       </a:r>
                     </a:p>
                     <a:p>
@@ -17179,15 +18533,7 @@
                       </a:r>
                       <a:r>
                         <a:rPr lang="en-US" sz="1000" baseline="0" dirty="0" smtClean="0"/>
-                        <a:t> </a:t>
-                      </a:r>
-                      <a:r>
-                        <a:rPr lang="en-US" sz="1000" baseline="0" dirty="0" smtClean="0"/>
-                        <a:t>&gt; </a:t>
-                      </a:r>
-                      <a:r>
-                        <a:rPr lang="en-US" sz="1000" baseline="0" dirty="0" smtClean="0"/>
-                        <a:t>20</a:t>
+                        <a:t> &gt; 20</a:t>
                       </a:r>
                     </a:p>
                     <a:p>
@@ -17197,15 +18543,7 @@
                       </a:r>
                       <a:r>
                         <a:rPr lang="en-US" sz="1000" baseline="0" dirty="0" smtClean="0"/>
-                        <a:t> </a:t>
-                      </a:r>
-                      <a:r>
-                        <a:rPr lang="en-US" sz="1000" baseline="0" dirty="0" smtClean="0"/>
-                        <a:t>&lt; </a:t>
-                      </a:r>
-                      <a:r>
-                        <a:rPr lang="en-US" sz="1000" baseline="0" dirty="0" smtClean="0"/>
-                        <a:t>2.5</a:t>
+                        <a:t> &lt; 2.5</a:t>
                       </a:r>
                     </a:p>
                     <a:p>
@@ -17219,11 +18557,7 @@
                       </a:r>
                       <a:r>
                         <a:rPr lang="en-US" sz="1000" baseline="0" dirty="0" smtClean="0"/>
-                        <a:t> &lt; </a:t>
-                      </a:r>
-                      <a:r>
-                        <a:rPr lang="en-US" sz="1000" baseline="0" dirty="0" smtClean="0"/>
-                        <a:t>1.0</a:t>
+                        <a:t> &lt; 1.0</a:t>
                       </a:r>
                       <a:endParaRPr lang="en-US" sz="1000" dirty="0"/>
                     </a:p>
@@ -17253,11 +18587,7 @@
                     <a:p>
                       <a:r>
                         <a:rPr lang="en-US" sz="1000" dirty="0" smtClean="0"/>
-                        <a:t>2</a:t>
-                      </a:r>
-                      <a:r>
-                        <a:rPr lang="en-US" sz="1000" dirty="0" smtClean="0"/>
-                        <a:t> </a:t>
+                        <a:t>2 </a:t>
                       </a:r>
                       <a:r>
                         <a:rPr lang="en-US" sz="1000" dirty="0" err="1" smtClean="0"/>
@@ -17283,11 +18613,7 @@
                       </a:r>
                       <a:r>
                         <a:rPr lang="en-US" sz="1000" baseline="0" dirty="0" smtClean="0"/>
-                        <a:t>-tag </a:t>
-                      </a:r>
-                      <a:r>
-                        <a:rPr lang="en-US" sz="1000" baseline="0" dirty="0" smtClean="0"/>
-                        <a:t>MV1 &gt; 0.971966</a:t>
+                        <a:t>-tag MV1 &gt; 0.971966</a:t>
                       </a:r>
                       <a:endParaRPr lang="en-US" sz="1000" dirty="0"/>
                     </a:p>
@@ -17313,9 +18639,55 @@
           </a:graphicData>
         </a:graphic>
       </p:graphicFrame>
+      <p:sp>
+        <p:nvSpPr>
+          <p:cNvPr id="4" name="TextBox 3"/>
+          <p:cNvSpPr txBox="1"/>
+          <p:nvPr/>
+        </p:nvSpPr>
+        <p:spPr>
+          <a:xfrm>
+            <a:off x="2209800" y="76200"/>
+            <a:ext cx="2922081" cy="369332"/>
+          </a:xfrm>
+          <a:prstGeom prst="rect">
+            <a:avLst/>
+          </a:prstGeom>
+          <a:noFill/>
+        </p:spPr>
+        <p:txBody>
+          <a:bodyPr wrap="none" rtlCol="0">
+            <a:spAutoFit/>
+          </a:bodyPr>
+          <a:lstStyle/>
+          <a:p>
+            <a:r>
+              <a:rPr lang="en-US" dirty="0" err="1" smtClean="0"/>
+              <a:t>dR(antikt</a:t>
+            </a:r>
+            <a:r>
+              <a:rPr lang="en-US" dirty="0" smtClean="0"/>
+              <a:t> jets, lead </a:t>
+            </a:r>
+            <a:r>
+              <a:rPr lang="en-US" dirty="0" err="1" smtClean="0"/>
+              <a:t>fatjet</a:t>
+            </a:r>
+            <a:r>
+              <a:rPr lang="en-US" dirty="0" smtClean="0"/>
+              <a:t>) </a:t>
+            </a:r>
+            <a:r>
+              <a:rPr lang="en-US" dirty="0" smtClean="0"/>
+              <a:t>n-1</a:t>
+            </a:r>
+            <a:endParaRPr lang="en-US" dirty="0"/>
+          </a:p>
+        </p:txBody>
+      </p:sp>
       <p:pic>
         <p:nvPicPr>
-          <p:cNvPr id="6" name="Picture 5" descr="all_samples_dR(antikt jets, lead fatjet) n-1.eps"/>
+          <p:cNvPr id="5" name="Picture 4" descr="all_samples_dR(antikt jets, lead fatjet) n-1.eps"/>
           <p:cNvPicPr>
             <a:picLocks noChangeAspect="1"/>
           </p:cNvPicPr>
@@ -17341,14 +18713,85 @@
         </mc:AlternateContent>
         <p:spPr>
           <a:xfrm>
-            <a:off x="152400" y="1752600"/>
-            <a:ext cx="5400675" cy="3943350"/>
+            <a:off x="971550" y="533400"/>
+            <a:ext cx="4320540" cy="3154680"/>
           </a:xfrm>
           <a:prstGeom prst="rect">
             <a:avLst/>
           </a:prstGeom>
         </p:spPr>
       </p:pic>
+      <p:pic>
+        <p:nvPicPr>
+          <p:cNvPr id="8" name="Picture 7" descr="all_samples_dR(antikt jets, lead fatjet) n-1.eps"/>
+          <p:cNvPicPr>
+            <a:picLocks noChangeAspect="1"/>
+          </p:cNvPicPr>
+          <p:nvPr/>
+        </p:nvPicPr>
+        <mc:AlternateContent>
+          <mc:Choice xmlns:ma="http://schemas.microsoft.com/office/mac/drawingml/2008/main" Requires="ma">
+            <p:blipFill>
+              <a:blip r:embed="rId4"/>
+              <a:stretch>
+                <a:fillRect/>
+              </a:stretch>
+            </p:blipFill>
+          </mc:Choice>
+          <mc:Fallback>
+            <p:blipFill>
+              <a:blip r:embed="rId5"/>
+              <a:stretch>
+                <a:fillRect/>
+              </a:stretch>
+            </p:blipFill>
+          </mc:Fallback>
+        </mc:AlternateContent>
+        <p:spPr>
+          <a:xfrm>
+            <a:off x="971550" y="3495040"/>
+            <a:ext cx="4320540" cy="3154680"/>
+          </a:xfrm>
+          <a:prstGeom prst="rect">
+            <a:avLst/>
+          </a:prstGeom>
+        </p:spPr>
+      </p:pic>
+      <p:sp>
+        <p:nvSpPr>
+          <p:cNvPr id="9" name="TextBox 8"/>
+          <p:cNvSpPr txBox="1"/>
+          <p:nvPr/>
+        </p:nvSpPr>
+        <p:spPr>
+          <a:xfrm>
+            <a:off x="76200" y="4343400"/>
+            <a:ext cx="932628" cy="461665"/>
+          </a:xfrm>
+          <a:prstGeom prst="rect">
+            <a:avLst/>
+          </a:prstGeom>
+          <a:noFill/>
+          <a:ln>
+            <a:solidFill>
+              <a:srgbClr val="FF0000"/>
+            </a:solidFill>
+          </a:ln>
+        </p:spPr>
+        <p:txBody>
+          <a:bodyPr wrap="square" rtlCol="0">
+            <a:spAutoFit/>
+          </a:bodyPr>
+          <a:lstStyle/>
+          <a:p>
+            <a:r>
+              <a:rPr lang="en-US" sz="1200" dirty="0" smtClean="0"/>
+              <a:t>Single top removed</a:t>
+            </a:r>
+            <a:endParaRPr lang="en-US" sz="1200" dirty="0"/>
+          </a:p>
+        </p:txBody>
+      </p:sp>
     </p:spTree>
   </p:cSld>
   <p:clrMapOvr>
